--- a/CQRS-Workshop.pptx
+++ b/CQRS-Workshop.pptx
@@ -5,29 +5,34 @@
     <p:sldMasterId id="2147483648" r:id="rId4"/>
   </p:sldMasterIdLst>
   <p:notesMasterIdLst>
-    <p:notesMasterId r:id="rId22"/>
+    <p:notesMasterId r:id="rId27"/>
   </p:notesMasterIdLst>
   <p:handoutMasterIdLst>
-    <p:handoutMasterId r:id="rId23"/>
+    <p:handoutMasterId r:id="rId28"/>
   </p:handoutMasterIdLst>
   <p:sldIdLst>
     <p:sldId id="258" r:id="rId5"/>
-    <p:sldId id="259" r:id="rId6"/>
-    <p:sldId id="260" r:id="rId7"/>
-    <p:sldId id="261" r:id="rId8"/>
-    <p:sldId id="262" r:id="rId9"/>
-    <p:sldId id="263" r:id="rId10"/>
-    <p:sldId id="265" r:id="rId11"/>
-    <p:sldId id="257" r:id="rId12"/>
-    <p:sldId id="267" r:id="rId13"/>
-    <p:sldId id="268" r:id="rId14"/>
-    <p:sldId id="269" r:id="rId15"/>
-    <p:sldId id="270" r:id="rId16"/>
-    <p:sldId id="272" r:id="rId17"/>
-    <p:sldId id="271" r:id="rId18"/>
-    <p:sldId id="273" r:id="rId19"/>
-    <p:sldId id="275" r:id="rId20"/>
-    <p:sldId id="266" r:id="rId21"/>
+    <p:sldId id="277" r:id="rId6"/>
+    <p:sldId id="259" r:id="rId7"/>
+    <p:sldId id="279" r:id="rId8"/>
+    <p:sldId id="260" r:id="rId9"/>
+    <p:sldId id="261" r:id="rId10"/>
+    <p:sldId id="262" r:id="rId11"/>
+    <p:sldId id="263" r:id="rId12"/>
+    <p:sldId id="265" r:id="rId13"/>
+    <p:sldId id="280" r:id="rId14"/>
+    <p:sldId id="257" r:id="rId15"/>
+    <p:sldId id="276" r:id="rId16"/>
+    <p:sldId id="267" r:id="rId17"/>
+    <p:sldId id="268" r:id="rId18"/>
+    <p:sldId id="269" r:id="rId19"/>
+    <p:sldId id="270" r:id="rId20"/>
+    <p:sldId id="272" r:id="rId21"/>
+    <p:sldId id="271" r:id="rId22"/>
+    <p:sldId id="273" r:id="rId23"/>
+    <p:sldId id="278" r:id="rId24"/>
+    <p:sldId id="275" r:id="rId25"/>
+    <p:sldId id="266" r:id="rId26"/>
   </p:sldIdLst>
   <p:sldSz cx="12192000" cy="6858000"/>
   <p:notesSz cx="6858000" cy="9144000"/>
@@ -1102,7 +1107,7 @@
           <a:p>
             <a:fld id="{E225D024-A1EC-BD41-A90F-B3067C52C12D}" type="datetimeFigureOut">
               <a:rPr lang="fr-FR" smtClean="0"/>
-              <a:t>22/05/2019</a:t>
+              <a:t>23/05/2019</a:t>
             </a:fld>
             <a:endParaRPr lang="fr-FR"/>
           </a:p>
@@ -1279,7 +1284,7 @@
           <a:p>
             <a:fld id="{9640BD87-8E5A-3942-ACFF-E8984200F3FC}" type="datetimeFigureOut">
               <a:rPr lang="en-US" smtClean="0"/>
-              <a:t>5/22/2019</a:t>
+              <a:t>5/23/2019</a:t>
             </a:fld>
             <a:endParaRPr lang="en-US"/>
           </a:p>
@@ -16278,14 +16283,12 @@
               <a:t>Coging</a:t>
             </a:r>
             <a:r>
-              <a:rPr lang="fr-BE"/>
-              <a:t> workshop </a:t>
-            </a:r>
-            <a:r>
               <a:rPr lang="fr-BE" dirty="0"/>
-              <a:t>in Java</a:t>
-            </a:r>
-            <a:endParaRPr lang="LID4096" dirty="0"/>
+              <a:t> workshop in Java</a:t>
+            </a:r>
+          </a:p>
+          <a:p>
+            <a:endParaRPr lang="fr-BE" dirty="0"/>
           </a:p>
         </p:txBody>
       </p:sp>
@@ -16319,40 +16322,216 @@
           <a:chExt cx="0" cy="0"/>
         </a:xfrm>
       </p:grpSpPr>
-      <p:pic>
-        <p:nvPicPr>
-          <p:cNvPr id="9" name="Picture 8">
-            <a:extLst>
-              <a:ext uri="{FF2B5EF4-FFF2-40B4-BE49-F238E27FC236}">
-                <a16:creationId xmlns:a16="http://schemas.microsoft.com/office/drawing/2014/main" id="{52E2670B-B3CD-4AC3-AFE0-256761AF7774}"/>
-              </a:ext>
-            </a:extLst>
-          </p:cNvPr>
-          <p:cNvPicPr>
-            <a:picLocks noChangeAspect="1"/>
-          </p:cNvPicPr>
-          <p:nvPr/>
-        </p:nvPicPr>
-        <p:blipFill>
-          <a:blip r:embed="rId2"/>
-          <a:stretch>
-            <a:fillRect/>
-          </a:stretch>
-        </p:blipFill>
-        <p:spPr>
-          <a:xfrm>
-            <a:off x="697241" y="110836"/>
-            <a:ext cx="10280177" cy="6000704"/>
-          </a:xfrm>
-          <a:prstGeom prst="rect">
-            <a:avLst/>
-          </a:prstGeom>
-        </p:spPr>
-      </p:pic>
+      <p:sp>
+        <p:nvSpPr>
+          <p:cNvPr id="2" name="Title 1">
+            <a:extLst>
+              <a:ext uri="{FF2B5EF4-FFF2-40B4-BE49-F238E27FC236}">
+                <a16:creationId xmlns:a16="http://schemas.microsoft.com/office/drawing/2014/main" id="{C663CC48-DE40-4DE7-83D3-538DC4BF41AA}"/>
+              </a:ext>
+            </a:extLst>
+          </p:cNvPr>
+          <p:cNvSpPr>
+            <a:spLocks noGrp="1"/>
+          </p:cNvSpPr>
+          <p:nvPr>
+            <p:ph type="title"/>
+          </p:nvPr>
+        </p:nvSpPr>
+        <p:spPr/>
+        <p:txBody>
+          <a:bodyPr/>
+          <a:lstStyle/>
+          <a:p>
+            <a:r>
+              <a:rPr lang="fr-BE" dirty="0"/>
+              <a:t>Disclaimer</a:t>
+            </a:r>
+            <a:endParaRPr lang="LID4096" dirty="0"/>
+          </a:p>
+        </p:txBody>
+      </p:sp>
+      <p:sp>
+        <p:nvSpPr>
+          <p:cNvPr id="3" name="Content Placeholder 2">
+            <a:extLst>
+              <a:ext uri="{FF2B5EF4-FFF2-40B4-BE49-F238E27FC236}">
+                <a16:creationId xmlns:a16="http://schemas.microsoft.com/office/drawing/2014/main" id="{84676AC2-D032-4725-80D5-1983DE4E8E09}"/>
+              </a:ext>
+            </a:extLst>
+          </p:cNvPr>
+          <p:cNvSpPr>
+            <a:spLocks noGrp="1"/>
+          </p:cNvSpPr>
+          <p:nvPr>
+            <p:ph idx="1"/>
+          </p:nvPr>
+        </p:nvSpPr>
+        <p:spPr/>
+        <p:txBody>
+          <a:bodyPr/>
+          <a:lstStyle/>
+          <a:p>
+            <a:r>
+              <a:rPr lang="fr-BE" dirty="0"/>
+              <a:t>This </a:t>
+            </a:r>
+            <a:r>
+              <a:rPr lang="fr-BE" dirty="0" err="1"/>
+              <a:t>implementation</a:t>
+            </a:r>
+            <a:r>
+              <a:rPr lang="fr-BE" dirty="0"/>
+              <a:t> </a:t>
+            </a:r>
+            <a:r>
+              <a:rPr lang="fr-BE" dirty="0" err="1"/>
+              <a:t>is</a:t>
+            </a:r>
+            <a:r>
+              <a:rPr lang="fr-BE" dirty="0"/>
+              <a:t> not </a:t>
+            </a:r>
+            <a:r>
+              <a:rPr lang="fr-BE" i="1" dirty="0"/>
+              <a:t>production </a:t>
+            </a:r>
+            <a:r>
+              <a:rPr lang="fr-BE" i="1" dirty="0" err="1"/>
+              <a:t>ready</a:t>
+            </a:r>
+            <a:endParaRPr lang="fr-BE" dirty="0"/>
+          </a:p>
+          <a:p>
+            <a:r>
+              <a:rPr lang="fr-BE" dirty="0" err="1"/>
+              <a:t>It’s</a:t>
+            </a:r>
+            <a:r>
+              <a:rPr lang="fr-BE" dirty="0"/>
+              <a:t> a </a:t>
+            </a:r>
+            <a:r>
+              <a:rPr lang="fr-BE" dirty="0" err="1"/>
+              <a:t>learning</a:t>
+            </a:r>
+            <a:r>
+              <a:rPr lang="fr-BE" dirty="0"/>
+              <a:t> exercice</a:t>
+            </a:r>
+          </a:p>
+          <a:p>
+            <a:r>
+              <a:rPr lang="fr-BE" dirty="0"/>
+              <a:t>Object </a:t>
+            </a:r>
+            <a:r>
+              <a:rPr lang="fr-BE" dirty="0" err="1"/>
+              <a:t>Oriented</a:t>
+            </a:r>
+            <a:r>
+              <a:rPr lang="fr-BE" dirty="0"/>
+              <a:t> (no </a:t>
+            </a:r>
+            <a:r>
+              <a:rPr lang="fr-BE" dirty="0" err="1"/>
+              <a:t>functional</a:t>
+            </a:r>
+            <a:r>
+              <a:rPr lang="fr-BE" dirty="0"/>
+              <a:t> </a:t>
+            </a:r>
+            <a:r>
+              <a:rPr lang="fr-BE" dirty="0" err="1"/>
+              <a:t>approach</a:t>
+            </a:r>
+            <a:r>
+              <a:rPr lang="fr-BE" dirty="0"/>
+              <a:t>)</a:t>
+            </a:r>
+          </a:p>
+          <a:p>
+            <a:r>
+              <a:rPr lang="fr-BE" dirty="0"/>
+              <a:t>No </a:t>
+            </a:r>
+            <a:r>
+              <a:rPr lang="fr-BE" dirty="0" err="1"/>
+              <a:t>framework</a:t>
+            </a:r>
+            <a:r>
+              <a:rPr lang="fr-BE" dirty="0"/>
+              <a:t> and minimal </a:t>
+            </a:r>
+            <a:r>
+              <a:rPr lang="fr-BE" dirty="0" err="1"/>
+              <a:t>dependencies</a:t>
+            </a:r>
+            <a:endParaRPr lang="fr-BE" dirty="0"/>
+          </a:p>
+          <a:p>
+            <a:r>
+              <a:rPr lang="fr-BE" dirty="0"/>
+              <a:t>No black </a:t>
+            </a:r>
+            <a:r>
+              <a:rPr lang="fr-BE" dirty="0" err="1"/>
+              <a:t>magic</a:t>
+            </a:r>
+            <a:r>
+              <a:rPr lang="fr-BE" dirty="0"/>
+              <a:t> (</a:t>
+            </a:r>
+            <a:r>
+              <a:rPr lang="fr-BE" dirty="0" err="1"/>
+              <a:t>vanilla</a:t>
+            </a:r>
+            <a:r>
+              <a:rPr lang="fr-BE" dirty="0"/>
+              <a:t> Java)</a:t>
+            </a:r>
+          </a:p>
+          <a:p>
+            <a:r>
+              <a:rPr lang="fr-BE" dirty="0"/>
+              <a:t>The goal </a:t>
+            </a:r>
+            <a:r>
+              <a:rPr lang="fr-BE" dirty="0" err="1"/>
+              <a:t>is</a:t>
+            </a:r>
+            <a:r>
+              <a:rPr lang="fr-BE" dirty="0"/>
+              <a:t> to </a:t>
+            </a:r>
+            <a:r>
+              <a:rPr lang="fr-BE" dirty="0" err="1"/>
+              <a:t>understand</a:t>
+            </a:r>
+            <a:r>
+              <a:rPr lang="fr-BE" dirty="0"/>
+              <a:t> how a CQRS/ES system can </a:t>
+            </a:r>
+            <a:r>
+              <a:rPr lang="fr-BE" dirty="0" err="1"/>
+              <a:t>be</a:t>
+            </a:r>
+            <a:r>
+              <a:rPr lang="fr-BE" dirty="0"/>
+              <a:t> </a:t>
+            </a:r>
+            <a:r>
+              <a:rPr lang="fr-BE" dirty="0" err="1"/>
+              <a:t>developed</a:t>
+            </a:r>
+            <a:endParaRPr lang="LID4096" dirty="0"/>
+          </a:p>
+        </p:txBody>
+      </p:sp>
     </p:spTree>
     <p:extLst>
       <p:ext uri="{BB962C8B-B14F-4D97-AF65-F5344CB8AC3E}">
-        <p14:creationId xmlns:p14="http://schemas.microsoft.com/office/powerpoint/2010/main" val="2273852834"/>
+        <p14:creationId xmlns:p14="http://schemas.microsoft.com/office/powerpoint/2010/main" val="3532769598"/>
       </p:ext>
     </p:extLst>
   </p:cSld>
@@ -16384,7 +16563,7 @@
           <p:cNvPr id="2" name="Title 1">
             <a:extLst>
               <a:ext uri="{FF2B5EF4-FFF2-40B4-BE49-F238E27FC236}">
-                <a16:creationId xmlns:a16="http://schemas.microsoft.com/office/drawing/2014/main" id="{032C9A36-D384-489F-92D7-0D28E51CB559}"/>
+                <a16:creationId xmlns:a16="http://schemas.microsoft.com/office/drawing/2014/main" id="{91DB09A4-E55A-4311-AB9A-DFF04C9503F5}"/>
               </a:ext>
             </a:extLst>
           </p:cNvPr>
@@ -16395,7 +16574,12 @@
             <p:ph type="title"/>
           </p:nvPr>
         </p:nvSpPr>
-        <p:spPr/>
+        <p:spPr>
+          <a:xfrm>
+            <a:off x="838200" y="365125"/>
+            <a:ext cx="10515600" cy="1325563"/>
+          </a:xfrm>
+        </p:spPr>
         <p:txBody>
           <a:bodyPr/>
           <a:lstStyle/>
@@ -16406,18 +16590,104 @@
             </a:r>
             <a:r>
               <a:rPr lang="fr-BE" dirty="0"/>
-              <a:t> 04</a:t>
+              <a:t> 01</a:t>
             </a:r>
             <a:endParaRPr lang="LID4096" dirty="0"/>
+          </a:p>
+        </p:txBody>
+      </p:sp>
+      <p:sp>
+        <p:nvSpPr>
+          <p:cNvPr id="3" name="Rectangle 2">
+            <a:extLst>
+              <a:ext uri="{FF2B5EF4-FFF2-40B4-BE49-F238E27FC236}">
+                <a16:creationId xmlns:a16="http://schemas.microsoft.com/office/drawing/2014/main" id="{D85019DF-76B6-4666-9DDD-60E1EC428E35}"/>
+              </a:ext>
+            </a:extLst>
+          </p:cNvPr>
+          <p:cNvSpPr/>
+          <p:nvPr/>
+        </p:nvSpPr>
+        <p:spPr>
+          <a:xfrm>
+            <a:off x="1450781" y="1544728"/>
+            <a:ext cx="9430659" cy="584775"/>
+          </a:xfrm>
+          <a:prstGeom prst="rect">
+            <a:avLst/>
+          </a:prstGeom>
+        </p:spPr>
+        <p:txBody>
+          <a:bodyPr wrap="none">
+            <a:spAutoFit/>
+          </a:bodyPr>
+          <a:lstStyle/>
+          <a:p>
+            <a:r>
+              <a:rPr lang="fr-BE" sz="3200" dirty="0">
+                <a:hlinkClick r:id="rId2">
+                  <a:extLst>
+                    <a:ext uri="{A12FA001-AC4F-418D-AE19-62706E023703}">
+                      <ahyp:hlinkClr xmlns:ahyp="http://schemas.microsoft.com/office/drawing/2018/hyperlinkcolor" val="tx"/>
+                    </a:ext>
+                  </a:extLst>
+                </a:hlinkClick>
+              </a:rPr>
+              <a:t>https://github.com/agilepartner/cqrs-es-workshop-java</a:t>
+            </a:r>
+            <a:endParaRPr lang="LID4096" sz="3200" dirty="0"/>
+          </a:p>
+        </p:txBody>
+      </p:sp>
+      <p:sp>
+        <p:nvSpPr>
+          <p:cNvPr id="5" name="Rectangle 4">
+            <a:extLst>
+              <a:ext uri="{FF2B5EF4-FFF2-40B4-BE49-F238E27FC236}">
+                <a16:creationId xmlns:a16="http://schemas.microsoft.com/office/drawing/2014/main" id="{CB18DCE0-731D-403F-9B3C-AD156F8A2291}"/>
+              </a:ext>
+            </a:extLst>
+          </p:cNvPr>
+          <p:cNvSpPr/>
+          <p:nvPr/>
+        </p:nvSpPr>
+        <p:spPr>
+          <a:xfrm>
+            <a:off x="1450781" y="2420086"/>
+            <a:ext cx="3930691" cy="584775"/>
+          </a:xfrm>
+          <a:prstGeom prst="rect">
+            <a:avLst/>
+          </a:prstGeom>
+        </p:spPr>
+        <p:txBody>
+          <a:bodyPr wrap="none">
+            <a:spAutoFit/>
+          </a:bodyPr>
+          <a:lstStyle/>
+          <a:p>
+            <a:r>
+              <a:rPr lang="fr-BE" sz="3200" dirty="0">
+                <a:hlinkClick r:id="rId3">
+                  <a:extLst>
+                    <a:ext uri="{A12FA001-AC4F-418D-AE19-62706E023703}">
+                      <ahyp:hlinkClr xmlns:ahyp="http://schemas.microsoft.com/office/drawing/2018/hyperlinkcolor" val="tx"/>
+                    </a:ext>
+                  </a:extLst>
+                </a:hlinkClick>
+              </a:rPr>
+              <a:t>https://start.spring.io/</a:t>
+            </a:r>
+            <a:endParaRPr lang="LID4096" sz="3200" dirty="0"/>
           </a:p>
         </p:txBody>
       </p:sp>
       <p:pic>
         <p:nvPicPr>
-          <p:cNvPr id="4" name="Picture 3">
-            <a:extLst>
-              <a:ext uri="{FF2B5EF4-FFF2-40B4-BE49-F238E27FC236}">
-                <a16:creationId xmlns:a16="http://schemas.microsoft.com/office/drawing/2014/main" id="{8BA79F7D-F236-4D17-928B-AD52BF694CEF}"/>
+          <p:cNvPr id="7" name="Picture 6">
+            <a:extLst>
+              <a:ext uri="{FF2B5EF4-FFF2-40B4-BE49-F238E27FC236}">
+                <a16:creationId xmlns:a16="http://schemas.microsoft.com/office/drawing/2014/main" id="{7907EC89-2ED5-4153-B596-7435E9BDF31B}"/>
               </a:ext>
             </a:extLst>
           </p:cNvPr>
@@ -16427,25 +16697,151 @@
           <p:nvPr/>
         </p:nvPicPr>
         <p:blipFill>
-          <a:blip r:embed="rId2"/>
+          <a:blip r:embed="rId4">
+            <a:extLst>
+              <a:ext uri="{837473B0-CC2E-450A-ABE3-18F120FF3D39}">
+                <a1611:picAttrSrcUrl xmlns:a1611="http://schemas.microsoft.com/office/drawing/2016/11/main" r:id="rId5"/>
+              </a:ext>
+            </a:extLst>
+          </a:blip>
           <a:stretch>
             <a:fillRect/>
           </a:stretch>
         </p:blipFill>
         <p:spPr>
           <a:xfrm>
-            <a:off x="1943945" y="972451"/>
-            <a:ext cx="8945085" cy="4913097"/>
+            <a:off x="8101453" y="3607050"/>
+            <a:ext cx="1519065" cy="1512735"/>
           </a:xfrm>
           <a:prstGeom prst="rect">
             <a:avLst/>
           </a:prstGeom>
         </p:spPr>
       </p:pic>
+      <p:pic>
+        <p:nvPicPr>
+          <p:cNvPr id="10" name="Picture 9">
+            <a:extLst>
+              <a:ext uri="{FF2B5EF4-FFF2-40B4-BE49-F238E27FC236}">
+                <a16:creationId xmlns:a16="http://schemas.microsoft.com/office/drawing/2014/main" id="{23ECB9B5-E94B-46D8-91EB-9C12D5C3EBD1}"/>
+              </a:ext>
+            </a:extLst>
+          </p:cNvPr>
+          <p:cNvPicPr>
+            <a:picLocks noChangeAspect="1"/>
+          </p:cNvPicPr>
+          <p:nvPr/>
+        </p:nvPicPr>
+        <p:blipFill>
+          <a:blip r:embed="rId6">
+            <a:extLst>
+              <a:ext uri="{837473B0-CC2E-450A-ABE3-18F120FF3D39}">
+                <a1611:picAttrSrcUrl xmlns:a1611="http://schemas.microsoft.com/office/drawing/2016/11/main" r:id="rId7"/>
+              </a:ext>
+            </a:extLst>
+          </a:blip>
+          <a:stretch>
+            <a:fillRect/>
+          </a:stretch>
+        </p:blipFill>
+        <p:spPr>
+          <a:xfrm>
+            <a:off x="751278" y="3309106"/>
+            <a:ext cx="3638521" cy="2046668"/>
+          </a:xfrm>
+          <a:prstGeom prst="rect">
+            <a:avLst/>
+          </a:prstGeom>
+        </p:spPr>
+      </p:pic>
+      <p:pic>
+        <p:nvPicPr>
+          <p:cNvPr id="13" name="Picture 12" descr="A close up of a sign&#10;&#10;Description automatically generated">
+            <a:extLst>
+              <a:ext uri="{FF2B5EF4-FFF2-40B4-BE49-F238E27FC236}">
+                <a16:creationId xmlns:a16="http://schemas.microsoft.com/office/drawing/2014/main" id="{48576532-2899-458D-9A5C-57C2E3174A3A}"/>
+              </a:ext>
+            </a:extLst>
+          </p:cNvPr>
+          <p:cNvPicPr>
+            <a:picLocks noChangeAspect="1"/>
+          </p:cNvPicPr>
+          <p:nvPr/>
+        </p:nvPicPr>
+        <p:blipFill>
+          <a:blip r:embed="rId8">
+            <a:extLst>
+              <a:ext uri="{837473B0-CC2E-450A-ABE3-18F120FF3D39}">
+                <a1611:picAttrSrcUrl xmlns:a1611="http://schemas.microsoft.com/office/drawing/2016/11/main" r:id="rId9"/>
+              </a:ext>
+            </a:extLst>
+          </a:blip>
+          <a:stretch>
+            <a:fillRect/>
+          </a:stretch>
+        </p:blipFill>
+        <p:spPr>
+          <a:xfrm>
+            <a:off x="4590603" y="3309106"/>
+            <a:ext cx="2298521" cy="2298521"/>
+          </a:xfrm>
+          <a:prstGeom prst="rect">
+            <a:avLst/>
+          </a:prstGeom>
+        </p:spPr>
+      </p:pic>
+      <p:sp>
+        <p:nvSpPr>
+          <p:cNvPr id="14" name="TextBox 13">
+            <a:extLst>
+              <a:ext uri="{FF2B5EF4-FFF2-40B4-BE49-F238E27FC236}">
+                <a16:creationId xmlns:a16="http://schemas.microsoft.com/office/drawing/2014/main" id="{86DD9B3F-AE92-46C6-A760-F248A14B1275}"/>
+              </a:ext>
+            </a:extLst>
+          </p:cNvPr>
+          <p:cNvSpPr txBox="1"/>
+          <p:nvPr/>
+        </p:nvSpPr>
+        <p:spPr>
+          <a:xfrm>
+            <a:off x="3556000" y="6095388"/>
+            <a:ext cx="2265251" cy="369332"/>
+          </a:xfrm>
+          <a:prstGeom prst="rect">
+            <a:avLst/>
+          </a:prstGeom>
+          <a:noFill/>
+        </p:spPr>
+        <p:txBody>
+          <a:bodyPr wrap="square" rtlCol="0">
+            <a:spAutoFit/>
+          </a:bodyPr>
+          <a:lstStyle/>
+          <a:p>
+            <a:r>
+              <a:rPr lang="LID4096" sz="900">
+                <a:hlinkClick r:id="rId9" tooltip="https://stackjava.com/spring/code-vi-du-spring-boot-restful-webservice-crud.html"/>
+              </a:rPr>
+              <a:t>This Photo</a:t>
+            </a:r>
+            <a:r>
+              <a:rPr lang="LID4096" sz="900"/>
+              <a:t> by Unknown Author is licensed under </a:t>
+            </a:r>
+            <a:r>
+              <a:rPr lang="LID4096" sz="900">
+                <a:hlinkClick r:id="rId10" tooltip="https://creativecommons.org/licenses/by-nc-nd/3.0/"/>
+              </a:rPr>
+              <a:t>CC BY-NC-ND</a:t>
+            </a:r>
+            <a:endParaRPr lang="LID4096" sz="900"/>
+          </a:p>
+        </p:txBody>
+      </p:sp>
     </p:spTree>
     <p:extLst>
       <p:ext uri="{BB962C8B-B14F-4D97-AF65-F5344CB8AC3E}">
-        <p14:creationId xmlns:p14="http://schemas.microsoft.com/office/powerpoint/2010/main" val="2724180664"/>
+        <p14:creationId xmlns:p14="http://schemas.microsoft.com/office/powerpoint/2010/main" val="3630075739"/>
       </p:ext>
     </p:extLst>
   </p:cSld>
@@ -16477,6 +16873,346 @@
           <p:cNvPr id="2" name="Title 1">
             <a:extLst>
               <a:ext uri="{FF2B5EF4-FFF2-40B4-BE49-F238E27FC236}">
+                <a16:creationId xmlns:a16="http://schemas.microsoft.com/office/drawing/2014/main" id="{91DB09A4-E55A-4311-AB9A-DFF04C9503F5}"/>
+              </a:ext>
+            </a:extLst>
+          </p:cNvPr>
+          <p:cNvSpPr>
+            <a:spLocks noGrp="1"/>
+          </p:cNvSpPr>
+          <p:nvPr>
+            <p:ph type="title"/>
+          </p:nvPr>
+        </p:nvSpPr>
+        <p:spPr>
+          <a:xfrm>
+            <a:off x="838200" y="365125"/>
+            <a:ext cx="10515600" cy="1325563"/>
+          </a:xfrm>
+        </p:spPr>
+        <p:txBody>
+          <a:bodyPr/>
+          <a:lstStyle/>
+          <a:p>
+            <a:r>
+              <a:rPr lang="fr-BE" dirty="0" err="1"/>
+              <a:t>Step</a:t>
+            </a:r>
+            <a:r>
+              <a:rPr lang="fr-BE" dirty="0"/>
+              <a:t> 02</a:t>
+            </a:r>
+            <a:endParaRPr lang="LID4096" dirty="0"/>
+          </a:p>
+        </p:txBody>
+      </p:sp>
+      <p:pic>
+        <p:nvPicPr>
+          <p:cNvPr id="4" name="Picture 3">
+            <a:extLst>
+              <a:ext uri="{FF2B5EF4-FFF2-40B4-BE49-F238E27FC236}">
+                <a16:creationId xmlns:a16="http://schemas.microsoft.com/office/drawing/2014/main" id="{9F6AD2E4-1291-49FC-B303-F05F86A5A342}"/>
+              </a:ext>
+            </a:extLst>
+          </p:cNvPr>
+          <p:cNvPicPr>
+            <a:picLocks noChangeAspect="1"/>
+          </p:cNvPicPr>
+          <p:nvPr/>
+        </p:nvPicPr>
+        <p:blipFill>
+          <a:blip r:embed="rId2"/>
+          <a:stretch>
+            <a:fillRect/>
+          </a:stretch>
+        </p:blipFill>
+        <p:spPr>
+          <a:xfrm>
+            <a:off x="1856509" y="1371238"/>
+            <a:ext cx="6908799" cy="3353390"/>
+          </a:xfrm>
+          <a:prstGeom prst="rect">
+            <a:avLst/>
+          </a:prstGeom>
+        </p:spPr>
+      </p:pic>
+    </p:spTree>
+    <p:extLst>
+      <p:ext uri="{BB962C8B-B14F-4D97-AF65-F5344CB8AC3E}">
+        <p14:creationId xmlns:p14="http://schemas.microsoft.com/office/powerpoint/2010/main" val="2336544061"/>
+      </p:ext>
+    </p:extLst>
+  </p:cSld>
+  <p:clrMapOvr>
+    <a:masterClrMapping/>
+  </p:clrMapOvr>
+</p:sld>
+</file>
+
+<file path=ppt/slides/slide13.xml><?xml version="1.0" encoding="utf-8"?>
+<p:sld xmlns:a="http://schemas.openxmlformats.org/drawingml/2006/main" xmlns:r="http://schemas.openxmlformats.org/officeDocument/2006/relationships" xmlns:p="http://schemas.openxmlformats.org/presentationml/2006/main">
+  <p:cSld>
+    <p:spTree>
+      <p:nvGrpSpPr>
+        <p:cNvPr id="1" name=""/>
+        <p:cNvGrpSpPr/>
+        <p:nvPr/>
+      </p:nvGrpSpPr>
+      <p:grpSpPr>
+        <a:xfrm>
+          <a:off x="0" y="0"/>
+          <a:ext cx="0" cy="0"/>
+          <a:chOff x="0" y="0"/>
+          <a:chExt cx="0" cy="0"/>
+        </a:xfrm>
+      </p:grpSpPr>
+      <p:sp>
+        <p:nvSpPr>
+          <p:cNvPr id="2" name="Title 1">
+            <a:extLst>
+              <a:ext uri="{FF2B5EF4-FFF2-40B4-BE49-F238E27FC236}">
+                <a16:creationId xmlns:a16="http://schemas.microsoft.com/office/drawing/2014/main" id="{6F9E3AA6-2FAC-46DA-957A-834F0481F5E4}"/>
+              </a:ext>
+            </a:extLst>
+          </p:cNvPr>
+          <p:cNvSpPr>
+            <a:spLocks noGrp="1"/>
+          </p:cNvSpPr>
+          <p:nvPr>
+            <p:ph type="title"/>
+          </p:nvPr>
+        </p:nvSpPr>
+        <p:spPr/>
+        <p:txBody>
+          <a:bodyPr/>
+          <a:lstStyle/>
+          <a:p>
+            <a:r>
+              <a:rPr lang="en-US" dirty="0"/>
+              <a:t>Step 03</a:t>
+            </a:r>
+            <a:endParaRPr lang="LID4096" dirty="0"/>
+          </a:p>
+        </p:txBody>
+      </p:sp>
+      <p:pic>
+        <p:nvPicPr>
+          <p:cNvPr id="5" name="Picture 4">
+            <a:extLst>
+              <a:ext uri="{FF2B5EF4-FFF2-40B4-BE49-F238E27FC236}">
+                <a16:creationId xmlns:a16="http://schemas.microsoft.com/office/drawing/2014/main" id="{9711B850-F835-4EC9-BC6D-71BC2BAA1AF3}"/>
+              </a:ext>
+            </a:extLst>
+          </p:cNvPr>
+          <p:cNvPicPr>
+            <a:picLocks noChangeAspect="1"/>
+          </p:cNvPicPr>
+          <p:nvPr/>
+        </p:nvPicPr>
+        <p:blipFill>
+          <a:blip r:embed="rId2"/>
+          <a:stretch>
+            <a:fillRect/>
+          </a:stretch>
+        </p:blipFill>
+        <p:spPr>
+          <a:xfrm>
+            <a:off x="234543" y="2416966"/>
+            <a:ext cx="11722913" cy="2024067"/>
+          </a:xfrm>
+          <a:prstGeom prst="rect">
+            <a:avLst/>
+          </a:prstGeom>
+        </p:spPr>
+      </p:pic>
+    </p:spTree>
+    <p:extLst>
+      <p:ext uri="{BB962C8B-B14F-4D97-AF65-F5344CB8AC3E}">
+        <p14:creationId xmlns:p14="http://schemas.microsoft.com/office/powerpoint/2010/main" val="870368706"/>
+      </p:ext>
+    </p:extLst>
+  </p:cSld>
+  <p:clrMapOvr>
+    <a:masterClrMapping/>
+  </p:clrMapOvr>
+</p:sld>
+</file>
+
+<file path=ppt/slides/slide14.xml><?xml version="1.0" encoding="utf-8"?>
+<p:sld xmlns:a="http://schemas.openxmlformats.org/drawingml/2006/main" xmlns:r="http://schemas.openxmlformats.org/officeDocument/2006/relationships" xmlns:p="http://schemas.openxmlformats.org/presentationml/2006/main">
+  <p:cSld>
+    <p:spTree>
+      <p:nvGrpSpPr>
+        <p:cNvPr id="1" name=""/>
+        <p:cNvGrpSpPr/>
+        <p:nvPr/>
+      </p:nvGrpSpPr>
+      <p:grpSpPr>
+        <a:xfrm>
+          <a:off x="0" y="0"/>
+          <a:ext cx="0" cy="0"/>
+          <a:chOff x="0" y="0"/>
+          <a:chExt cx="0" cy="0"/>
+        </a:xfrm>
+      </p:grpSpPr>
+      <p:pic>
+        <p:nvPicPr>
+          <p:cNvPr id="9" name="Picture 8">
+            <a:extLst>
+              <a:ext uri="{FF2B5EF4-FFF2-40B4-BE49-F238E27FC236}">
+                <a16:creationId xmlns:a16="http://schemas.microsoft.com/office/drawing/2014/main" id="{52E2670B-B3CD-4AC3-AFE0-256761AF7774}"/>
+              </a:ext>
+            </a:extLst>
+          </p:cNvPr>
+          <p:cNvPicPr>
+            <a:picLocks noChangeAspect="1"/>
+          </p:cNvPicPr>
+          <p:nvPr/>
+        </p:nvPicPr>
+        <p:blipFill>
+          <a:blip r:embed="rId2"/>
+          <a:stretch>
+            <a:fillRect/>
+          </a:stretch>
+        </p:blipFill>
+        <p:spPr>
+          <a:xfrm>
+            <a:off x="697241" y="110836"/>
+            <a:ext cx="10280177" cy="6000704"/>
+          </a:xfrm>
+          <a:prstGeom prst="rect">
+            <a:avLst/>
+          </a:prstGeom>
+        </p:spPr>
+      </p:pic>
+    </p:spTree>
+    <p:extLst>
+      <p:ext uri="{BB962C8B-B14F-4D97-AF65-F5344CB8AC3E}">
+        <p14:creationId xmlns:p14="http://schemas.microsoft.com/office/powerpoint/2010/main" val="2273852834"/>
+      </p:ext>
+    </p:extLst>
+  </p:cSld>
+  <p:clrMapOvr>
+    <a:masterClrMapping/>
+  </p:clrMapOvr>
+</p:sld>
+</file>
+
+<file path=ppt/slides/slide15.xml><?xml version="1.0" encoding="utf-8"?>
+<p:sld xmlns:a="http://schemas.openxmlformats.org/drawingml/2006/main" xmlns:r="http://schemas.openxmlformats.org/officeDocument/2006/relationships" xmlns:p="http://schemas.openxmlformats.org/presentationml/2006/main">
+  <p:cSld>
+    <p:spTree>
+      <p:nvGrpSpPr>
+        <p:cNvPr id="1" name=""/>
+        <p:cNvGrpSpPr/>
+        <p:nvPr/>
+      </p:nvGrpSpPr>
+      <p:grpSpPr>
+        <a:xfrm>
+          <a:off x="0" y="0"/>
+          <a:ext cx="0" cy="0"/>
+          <a:chOff x="0" y="0"/>
+          <a:chExt cx="0" cy="0"/>
+        </a:xfrm>
+      </p:grpSpPr>
+      <p:sp>
+        <p:nvSpPr>
+          <p:cNvPr id="2" name="Title 1">
+            <a:extLst>
+              <a:ext uri="{FF2B5EF4-FFF2-40B4-BE49-F238E27FC236}">
+                <a16:creationId xmlns:a16="http://schemas.microsoft.com/office/drawing/2014/main" id="{032C9A36-D384-489F-92D7-0D28E51CB559}"/>
+              </a:ext>
+            </a:extLst>
+          </p:cNvPr>
+          <p:cNvSpPr>
+            <a:spLocks noGrp="1"/>
+          </p:cNvSpPr>
+          <p:nvPr>
+            <p:ph type="title"/>
+          </p:nvPr>
+        </p:nvSpPr>
+        <p:spPr/>
+        <p:txBody>
+          <a:bodyPr/>
+          <a:lstStyle/>
+          <a:p>
+            <a:r>
+              <a:rPr lang="fr-BE" dirty="0" err="1"/>
+              <a:t>Step</a:t>
+            </a:r>
+            <a:r>
+              <a:rPr lang="fr-BE" dirty="0"/>
+              <a:t> 04</a:t>
+            </a:r>
+            <a:endParaRPr lang="LID4096" dirty="0"/>
+          </a:p>
+        </p:txBody>
+      </p:sp>
+      <p:pic>
+        <p:nvPicPr>
+          <p:cNvPr id="4" name="Picture 3">
+            <a:extLst>
+              <a:ext uri="{FF2B5EF4-FFF2-40B4-BE49-F238E27FC236}">
+                <a16:creationId xmlns:a16="http://schemas.microsoft.com/office/drawing/2014/main" id="{8BA79F7D-F236-4D17-928B-AD52BF694CEF}"/>
+              </a:ext>
+            </a:extLst>
+          </p:cNvPr>
+          <p:cNvPicPr>
+            <a:picLocks noChangeAspect="1"/>
+          </p:cNvPicPr>
+          <p:nvPr/>
+        </p:nvPicPr>
+        <p:blipFill>
+          <a:blip r:embed="rId2"/>
+          <a:stretch>
+            <a:fillRect/>
+          </a:stretch>
+        </p:blipFill>
+        <p:spPr>
+          <a:xfrm>
+            <a:off x="1943945" y="972451"/>
+            <a:ext cx="8945085" cy="4913097"/>
+          </a:xfrm>
+          <a:prstGeom prst="rect">
+            <a:avLst/>
+          </a:prstGeom>
+        </p:spPr>
+      </p:pic>
+    </p:spTree>
+    <p:extLst>
+      <p:ext uri="{BB962C8B-B14F-4D97-AF65-F5344CB8AC3E}">
+        <p14:creationId xmlns:p14="http://schemas.microsoft.com/office/powerpoint/2010/main" val="2724180664"/>
+      </p:ext>
+    </p:extLst>
+  </p:cSld>
+  <p:clrMapOvr>
+    <a:masterClrMapping/>
+  </p:clrMapOvr>
+</p:sld>
+</file>
+
+<file path=ppt/slides/slide16.xml><?xml version="1.0" encoding="utf-8"?>
+<p:sld xmlns:a="http://schemas.openxmlformats.org/drawingml/2006/main" xmlns:r="http://schemas.openxmlformats.org/officeDocument/2006/relationships" xmlns:p="http://schemas.openxmlformats.org/presentationml/2006/main">
+  <p:cSld>
+    <p:spTree>
+      <p:nvGrpSpPr>
+        <p:cNvPr id="1" name=""/>
+        <p:cNvGrpSpPr/>
+        <p:nvPr/>
+      </p:nvGrpSpPr>
+      <p:grpSpPr>
+        <a:xfrm>
+          <a:off x="0" y="0"/>
+          <a:ext cx="0" cy="0"/>
+          <a:chOff x="0" y="0"/>
+          <a:chExt cx="0" cy="0"/>
+        </a:xfrm>
+      </p:grpSpPr>
+      <p:sp>
+        <p:nvSpPr>
+          <p:cNvPr id="2" name="Title 1">
+            <a:extLst>
+              <a:ext uri="{FF2B5EF4-FFF2-40B4-BE49-F238E27FC236}">
                 <a16:creationId xmlns:a16="http://schemas.microsoft.com/office/drawing/2014/main" id="{246C657F-2232-4EF5-B016-2A8775A118DE}"/>
               </a:ext>
             </a:extLst>
@@ -16548,7 +17284,7 @@
 </p:sld>
 </file>
 
-<file path=ppt/slides/slide13.xml><?xml version="1.0" encoding="utf-8"?>
+<file path=ppt/slides/slide17.xml><?xml version="1.0" encoding="utf-8"?>
 <p:sld xmlns:a="http://schemas.openxmlformats.org/drawingml/2006/main" xmlns:r="http://schemas.openxmlformats.org/officeDocument/2006/relationships" xmlns:p="http://schemas.openxmlformats.org/presentationml/2006/main">
   <p:cSld>
     <p:spTree>
@@ -18351,7 +19087,7 @@
 </p:sld>
 </file>
 
-<file path=ppt/slides/slide14.xml><?xml version="1.0" encoding="utf-8"?>
+<file path=ppt/slides/slide18.xml><?xml version="1.0" encoding="utf-8"?>
 <p:sld xmlns:a="http://schemas.openxmlformats.org/drawingml/2006/main" xmlns:r="http://schemas.openxmlformats.org/officeDocument/2006/relationships" xmlns:p="http://schemas.openxmlformats.org/presentationml/2006/main">
   <p:cSld>
     <p:spTree>
@@ -18444,7 +19180,7 @@
 </p:sld>
 </file>
 
-<file path=ppt/slides/slide15.xml><?xml version="1.0" encoding="utf-8"?>
+<file path=ppt/slides/slide19.xml><?xml version="1.0" encoding="utf-8"?>
 <p:sld xmlns:a="http://schemas.openxmlformats.org/drawingml/2006/main" xmlns:r="http://schemas.openxmlformats.org/officeDocument/2006/relationships" xmlns:p="http://schemas.openxmlformats.org/presentationml/2006/main">
   <p:cSld>
     <p:spTree>
@@ -22195,7 +22931,300 @@
 </p:sld>
 </file>
 
-<file path=ppt/slides/slide16.xml><?xml version="1.0" encoding="utf-8"?>
+<file path=ppt/slides/slide2.xml><?xml version="1.0" encoding="utf-8"?>
+<p:sld xmlns:a="http://schemas.openxmlformats.org/drawingml/2006/main" xmlns:r="http://schemas.openxmlformats.org/officeDocument/2006/relationships" xmlns:p="http://schemas.openxmlformats.org/presentationml/2006/main">
+  <p:cSld>
+    <p:spTree>
+      <p:nvGrpSpPr>
+        <p:cNvPr id="1" name=""/>
+        <p:cNvGrpSpPr/>
+        <p:nvPr/>
+      </p:nvGrpSpPr>
+      <p:grpSpPr>
+        <a:xfrm>
+          <a:off x="0" y="0"/>
+          <a:ext cx="0" cy="0"/>
+          <a:chOff x="0" y="0"/>
+          <a:chExt cx="0" cy="0"/>
+        </a:xfrm>
+      </p:grpSpPr>
+      <p:sp>
+        <p:nvSpPr>
+          <p:cNvPr id="4" name="Title 3">
+            <a:extLst>
+              <a:ext uri="{FF2B5EF4-FFF2-40B4-BE49-F238E27FC236}">
+                <a16:creationId xmlns:a16="http://schemas.microsoft.com/office/drawing/2014/main" id="{A1BBDB8E-7588-46F2-92BF-8F90D05E7142}"/>
+              </a:ext>
+            </a:extLst>
+          </p:cNvPr>
+          <p:cNvSpPr>
+            <a:spLocks noGrp="1"/>
+          </p:cNvSpPr>
+          <p:nvPr>
+            <p:ph type="title"/>
+          </p:nvPr>
+        </p:nvSpPr>
+        <p:spPr/>
+        <p:txBody>
+          <a:bodyPr/>
+          <a:lstStyle/>
+          <a:p>
+            <a:r>
+              <a:rPr lang="fr-BE" dirty="0"/>
+              <a:t>Domain-Driven Design</a:t>
+            </a:r>
+            <a:endParaRPr lang="LID4096" dirty="0"/>
+          </a:p>
+        </p:txBody>
+      </p:sp>
+      <p:pic>
+        <p:nvPicPr>
+          <p:cNvPr id="7" name="Picture 6" descr="A close up of text on a white background&#10;&#10;Description automatically generated">
+            <a:extLst>
+              <a:ext uri="{FF2B5EF4-FFF2-40B4-BE49-F238E27FC236}">
+                <a16:creationId xmlns:a16="http://schemas.microsoft.com/office/drawing/2014/main" id="{71C604F9-6F93-4DA8-9268-B6FF26F7C2B3}"/>
+              </a:ext>
+            </a:extLst>
+          </p:cNvPr>
+          <p:cNvPicPr>
+            <a:picLocks noChangeAspect="1"/>
+          </p:cNvPicPr>
+          <p:nvPr/>
+        </p:nvPicPr>
+        <p:blipFill>
+          <a:blip r:embed="rId2">
+            <a:extLst>
+              <a:ext uri="{837473B0-CC2E-450A-ABE3-18F120FF3D39}">
+                <a1611:picAttrSrcUrl xmlns:a1611="http://schemas.microsoft.com/office/drawing/2016/11/main" r:id="rId3"/>
+              </a:ext>
+            </a:extLst>
+          </a:blip>
+          <a:stretch>
+            <a:fillRect/>
+          </a:stretch>
+        </p:blipFill>
+        <p:spPr>
+          <a:xfrm>
+            <a:off x="773008" y="1242288"/>
+            <a:ext cx="3385786" cy="4484254"/>
+          </a:xfrm>
+          <a:prstGeom prst="rect">
+            <a:avLst/>
+          </a:prstGeom>
+        </p:spPr>
+      </p:pic>
+      <p:pic>
+        <p:nvPicPr>
+          <p:cNvPr id="1026" name="Picture 2" descr="Image result for ddd distilled">
+            <a:extLst>
+              <a:ext uri="{FF2B5EF4-FFF2-40B4-BE49-F238E27FC236}">
+                <a16:creationId xmlns:a16="http://schemas.microsoft.com/office/drawing/2014/main" id="{D020BD0D-6C21-4A05-963A-B32FD70C4C74}"/>
+              </a:ext>
+            </a:extLst>
+          </p:cNvPr>
+          <p:cNvPicPr>
+            <a:picLocks noChangeAspect="1" noChangeArrowheads="1"/>
+          </p:cNvPicPr>
+          <p:nvPr/>
+        </p:nvPicPr>
+        <p:blipFill>
+          <a:blip r:embed="rId4">
+            <a:extLst>
+              <a:ext uri="{28A0092B-C50C-407E-A947-70E740481C1C}">
+                <a14:useLocalDpi xmlns:a14="http://schemas.microsoft.com/office/drawing/2010/main" val="0"/>
+              </a:ext>
+            </a:extLst>
+          </a:blip>
+          <a:srcRect/>
+          <a:stretch>
+            <a:fillRect/>
+          </a:stretch>
+        </p:blipFill>
+        <p:spPr bwMode="auto">
+          <a:xfrm>
+            <a:off x="4484978" y="1242288"/>
+            <a:ext cx="3423396" cy="4484254"/>
+          </a:xfrm>
+          <a:prstGeom prst="rect">
+            <a:avLst/>
+          </a:prstGeom>
+          <a:noFill/>
+          <a:extLst>
+            <a:ext uri="{909E8E84-426E-40DD-AFC4-6F175D3DCCD1}">
+              <a14:hiddenFill xmlns:a14="http://schemas.microsoft.com/office/drawing/2010/main">
+                <a:solidFill>
+                  <a:srgbClr val="FFFFFF"/>
+                </a:solidFill>
+              </a14:hiddenFill>
+            </a:ext>
+          </a:extLst>
+        </p:spPr>
+      </p:pic>
+      <p:pic>
+        <p:nvPicPr>
+          <p:cNvPr id="1028" name="Picture 4" descr="Image result for implementing ddd">
+            <a:extLst>
+              <a:ext uri="{FF2B5EF4-FFF2-40B4-BE49-F238E27FC236}">
+                <a16:creationId xmlns:a16="http://schemas.microsoft.com/office/drawing/2014/main" id="{8D0F44D1-0982-40CF-92B8-72371FDEDB48}"/>
+              </a:ext>
+            </a:extLst>
+          </p:cNvPr>
+          <p:cNvPicPr>
+            <a:picLocks noChangeAspect="1" noChangeArrowheads="1"/>
+          </p:cNvPicPr>
+          <p:nvPr/>
+        </p:nvPicPr>
+        <p:blipFill>
+          <a:blip r:embed="rId5">
+            <a:extLst>
+              <a:ext uri="{28A0092B-C50C-407E-A947-70E740481C1C}">
+                <a14:useLocalDpi xmlns:a14="http://schemas.microsoft.com/office/drawing/2010/main" val="0"/>
+              </a:ext>
+            </a:extLst>
+          </a:blip>
+          <a:srcRect/>
+          <a:stretch>
+            <a:fillRect/>
+          </a:stretch>
+        </p:blipFill>
+        <p:spPr bwMode="auto">
+          <a:xfrm>
+            <a:off x="8234558" y="1242288"/>
+            <a:ext cx="3289491" cy="4484254"/>
+          </a:xfrm>
+          <a:prstGeom prst="rect">
+            <a:avLst/>
+          </a:prstGeom>
+          <a:noFill/>
+          <a:extLst>
+            <a:ext uri="{909E8E84-426E-40DD-AFC4-6F175D3DCCD1}">
+              <a14:hiddenFill xmlns:a14="http://schemas.microsoft.com/office/drawing/2010/main">
+                <a:solidFill>
+                  <a:srgbClr val="FFFFFF"/>
+                </a:solidFill>
+              </a14:hiddenFill>
+            </a:ext>
+          </a:extLst>
+        </p:spPr>
+      </p:pic>
+    </p:spTree>
+    <p:extLst>
+      <p:ext uri="{BB962C8B-B14F-4D97-AF65-F5344CB8AC3E}">
+        <p14:creationId xmlns:p14="http://schemas.microsoft.com/office/powerpoint/2010/main" val="1428093403"/>
+      </p:ext>
+    </p:extLst>
+  </p:cSld>
+  <p:clrMapOvr>
+    <a:masterClrMapping/>
+  </p:clrMapOvr>
+</p:sld>
+</file>
+
+<file path=ppt/slides/slide20.xml><?xml version="1.0" encoding="utf-8"?>
+<p:sld xmlns:a="http://schemas.openxmlformats.org/drawingml/2006/main" xmlns:r="http://schemas.openxmlformats.org/officeDocument/2006/relationships" xmlns:p="http://schemas.openxmlformats.org/presentationml/2006/main">
+  <p:cSld>
+    <p:spTree>
+      <p:nvGrpSpPr>
+        <p:cNvPr id="1" name=""/>
+        <p:cNvGrpSpPr/>
+        <p:nvPr/>
+      </p:nvGrpSpPr>
+      <p:grpSpPr>
+        <a:xfrm>
+          <a:off x="0" y="0"/>
+          <a:ext cx="0" cy="0"/>
+          <a:chOff x="0" y="0"/>
+          <a:chExt cx="0" cy="0"/>
+        </a:xfrm>
+      </p:grpSpPr>
+      <p:sp>
+        <p:nvSpPr>
+          <p:cNvPr id="2" name="Title 1">
+            <a:extLst>
+              <a:ext uri="{FF2B5EF4-FFF2-40B4-BE49-F238E27FC236}">
+                <a16:creationId xmlns:a16="http://schemas.microsoft.com/office/drawing/2014/main" id="{276524E4-D6E9-4B77-B392-C9FE1E102775}"/>
+              </a:ext>
+            </a:extLst>
+          </p:cNvPr>
+          <p:cNvSpPr>
+            <a:spLocks noGrp="1"/>
+          </p:cNvSpPr>
+          <p:nvPr>
+            <p:ph type="title"/>
+          </p:nvPr>
+        </p:nvSpPr>
+        <p:spPr/>
+        <p:txBody>
+          <a:bodyPr/>
+          <a:lstStyle/>
+          <a:p>
+            <a:r>
+              <a:rPr lang="fr-BE" dirty="0"/>
+              <a:t>Process</a:t>
+            </a:r>
+            <a:endParaRPr lang="LID4096" dirty="0"/>
+          </a:p>
+        </p:txBody>
+      </p:sp>
+      <p:pic>
+        <p:nvPicPr>
+          <p:cNvPr id="2050" name="Picture 2" descr="https://res.infoq.com/articles/modeling-uncertainty-reactive-ddd/en/resources/15-process-ps-1538055142249.jpg">
+            <a:extLst>
+              <a:ext uri="{FF2B5EF4-FFF2-40B4-BE49-F238E27FC236}">
+                <a16:creationId xmlns:a16="http://schemas.microsoft.com/office/drawing/2014/main" id="{85C502A2-F5D0-4D7A-8A8C-A2C880FC710F}"/>
+              </a:ext>
+            </a:extLst>
+          </p:cNvPr>
+          <p:cNvPicPr>
+            <a:picLocks noChangeAspect="1" noChangeArrowheads="1"/>
+          </p:cNvPicPr>
+          <p:nvPr/>
+        </p:nvPicPr>
+        <p:blipFill rotWithShape="1">
+          <a:blip r:embed="rId2">
+            <a:extLst>
+              <a:ext uri="{28A0092B-C50C-407E-A947-70E740481C1C}">
+                <a14:useLocalDpi xmlns:a14="http://schemas.microsoft.com/office/drawing/2010/main" val="0"/>
+              </a:ext>
+            </a:extLst>
+          </a:blip>
+          <a:srcRect t="20249"/>
+          <a:stretch/>
+        </p:blipFill>
+        <p:spPr bwMode="auto">
+          <a:xfrm>
+            <a:off x="1657083" y="1126758"/>
+            <a:ext cx="8300970" cy="4965092"/>
+          </a:xfrm>
+          <a:prstGeom prst="rect">
+            <a:avLst/>
+          </a:prstGeom>
+          <a:noFill/>
+          <a:extLst>
+            <a:ext uri="{909E8E84-426E-40DD-AFC4-6F175D3DCCD1}">
+              <a14:hiddenFill xmlns:a14="http://schemas.microsoft.com/office/drawing/2010/main">
+                <a:solidFill>
+                  <a:srgbClr val="FFFFFF"/>
+                </a:solidFill>
+              </a14:hiddenFill>
+            </a:ext>
+          </a:extLst>
+        </p:spPr>
+      </p:pic>
+    </p:spTree>
+    <p:extLst>
+      <p:ext uri="{BB962C8B-B14F-4D97-AF65-F5344CB8AC3E}">
+        <p14:creationId xmlns:p14="http://schemas.microsoft.com/office/powerpoint/2010/main" val="2508976366"/>
+      </p:ext>
+    </p:extLst>
+  </p:cSld>
+  <p:clrMapOvr>
+    <a:masterClrMapping/>
+  </p:clrMapOvr>
+</p:sld>
+</file>
+
+<file path=ppt/slides/slide21.xml><?xml version="1.0" encoding="utf-8"?>
 <p:sld xmlns:a="http://schemas.openxmlformats.org/drawingml/2006/main" xmlns:r="http://schemas.openxmlformats.org/officeDocument/2006/relationships" xmlns:p="http://schemas.openxmlformats.org/presentationml/2006/main">
   <p:cSld>
     <p:spTree>
@@ -22225,7 +23254,7 @@
 </p:sld>
 </file>
 
-<file path=ppt/slides/slide17.xml><?xml version="1.0" encoding="utf-8"?>
+<file path=ppt/slides/slide22.xml><?xml version="1.0" encoding="utf-8"?>
 <p:sld xmlns:a="http://schemas.openxmlformats.org/drawingml/2006/main" xmlns:r="http://schemas.openxmlformats.org/officeDocument/2006/relationships" xmlns:p="http://schemas.openxmlformats.org/presentationml/2006/main" show="0">
   <p:cSld>
     <p:spTree>
@@ -22389,7 +23418,7 @@
 </p:sld>
 </file>
 
-<file path=ppt/slides/slide2.xml><?xml version="1.0" encoding="utf-8"?>
+<file path=ppt/slides/slide3.xml><?xml version="1.0" encoding="utf-8"?>
 <p:sld xmlns:a="http://schemas.openxmlformats.org/drawingml/2006/main" xmlns:r="http://schemas.openxmlformats.org/officeDocument/2006/relationships" xmlns:p="http://schemas.openxmlformats.org/presentationml/2006/main">
   <p:cSld>
     <p:spTree>
@@ -24081,7 +25110,115 @@
 </p:sld>
 </file>
 
-<file path=ppt/slides/slide3.xml><?xml version="1.0" encoding="utf-8"?>
+<file path=ppt/slides/slide4.xml><?xml version="1.0" encoding="utf-8"?>
+<p:sld xmlns:a="http://schemas.openxmlformats.org/drawingml/2006/main" xmlns:r="http://schemas.openxmlformats.org/officeDocument/2006/relationships" xmlns:p="http://schemas.openxmlformats.org/presentationml/2006/main">
+  <p:cSld>
+    <p:spTree>
+      <p:nvGrpSpPr>
+        <p:cNvPr id="1" name=""/>
+        <p:cNvGrpSpPr/>
+        <p:nvPr/>
+      </p:nvGrpSpPr>
+      <p:grpSpPr>
+        <a:xfrm>
+          <a:off x="0" y="0"/>
+          <a:ext cx="0" cy="0"/>
+          <a:chOff x="0" y="0"/>
+          <a:chExt cx="0" cy="0"/>
+        </a:xfrm>
+      </p:grpSpPr>
+      <p:sp>
+        <p:nvSpPr>
+          <p:cNvPr id="2" name="Title 1">
+            <a:extLst>
+              <a:ext uri="{FF2B5EF4-FFF2-40B4-BE49-F238E27FC236}">
+                <a16:creationId xmlns:a16="http://schemas.microsoft.com/office/drawing/2014/main" id="{3F2355C6-B9E1-4DF4-8D6D-AEAC9501798F}"/>
+              </a:ext>
+            </a:extLst>
+          </p:cNvPr>
+          <p:cNvSpPr>
+            <a:spLocks noGrp="1"/>
+          </p:cNvSpPr>
+          <p:nvPr>
+            <p:ph type="title"/>
+          </p:nvPr>
+        </p:nvSpPr>
+        <p:spPr/>
+        <p:txBody>
+          <a:bodyPr/>
+          <a:lstStyle/>
+          <a:p>
+            <a:r>
+              <a:rPr lang="fr-BE" dirty="0" err="1"/>
+              <a:t>Reactive</a:t>
+            </a:r>
+            <a:r>
+              <a:rPr lang="fr-BE" dirty="0"/>
+              <a:t> system</a:t>
+            </a:r>
+            <a:endParaRPr lang="LID4096" dirty="0"/>
+          </a:p>
+        </p:txBody>
+      </p:sp>
+      <p:pic>
+        <p:nvPicPr>
+          <p:cNvPr id="3074" name="Picture 2" descr="https://res.infoq.com/articles/modeling-uncertainty-reactive-ddd/en/resources/1reactive-system-ps-1538055143577.jpg">
+            <a:extLst>
+              <a:ext uri="{FF2B5EF4-FFF2-40B4-BE49-F238E27FC236}">
+                <a16:creationId xmlns:a16="http://schemas.microsoft.com/office/drawing/2014/main" id="{BA9B64A5-C662-4664-BCD1-9D0803DCB0B2}"/>
+              </a:ext>
+            </a:extLst>
+          </p:cNvPr>
+          <p:cNvPicPr>
+            <a:picLocks noChangeAspect="1" noChangeArrowheads="1"/>
+          </p:cNvPicPr>
+          <p:nvPr/>
+        </p:nvPicPr>
+        <p:blipFill rotWithShape="1">
+          <a:blip r:embed="rId2">
+            <a:extLst>
+              <a:ext uri="{28A0092B-C50C-407E-A947-70E740481C1C}">
+                <a14:useLocalDpi xmlns:a14="http://schemas.microsoft.com/office/drawing/2010/main" val="0"/>
+              </a:ext>
+            </a:extLst>
+          </a:blip>
+          <a:srcRect t="20278"/>
+          <a:stretch/>
+        </p:blipFill>
+        <p:spPr bwMode="auto">
+          <a:xfrm>
+            <a:off x="2030569" y="1365160"/>
+            <a:ext cx="7652734" cy="4575652"/>
+          </a:xfrm>
+          <a:prstGeom prst="rect">
+            <a:avLst/>
+          </a:prstGeom>
+          <a:noFill/>
+          <a:extLst>
+            <a:ext uri="{909E8E84-426E-40DD-AFC4-6F175D3DCCD1}">
+              <a14:hiddenFill xmlns:a14="http://schemas.microsoft.com/office/drawing/2010/main">
+                <a:solidFill>
+                  <a:srgbClr val="FFFFFF"/>
+                </a:solidFill>
+              </a14:hiddenFill>
+            </a:ext>
+          </a:extLst>
+        </p:spPr>
+      </p:pic>
+    </p:spTree>
+    <p:extLst>
+      <p:ext uri="{BB962C8B-B14F-4D97-AF65-F5344CB8AC3E}">
+        <p14:creationId xmlns:p14="http://schemas.microsoft.com/office/powerpoint/2010/main" val="1284106873"/>
+      </p:ext>
+    </p:extLst>
+  </p:cSld>
+  <p:clrMapOvr>
+    <a:masterClrMapping/>
+  </p:clrMapOvr>
+</p:sld>
+</file>
+
+<file path=ppt/slides/slide5.xml><?xml version="1.0" encoding="utf-8"?>
 <p:sld xmlns:a="http://schemas.openxmlformats.org/drawingml/2006/main" xmlns:r="http://schemas.openxmlformats.org/officeDocument/2006/relationships" xmlns:p="http://schemas.openxmlformats.org/presentationml/2006/main">
   <p:cSld>
     <p:spTree>
@@ -24188,8 +25325,8 @@
           </a:p>
         </p:txBody>
       </p:sp>
-      <mc:AlternateContent xmlns:mc="http://schemas.openxmlformats.org/markup-compatibility/2006" xmlns:pslz="http://schemas.microsoft.com/office/powerpoint/2016/slidezoom">
-        <mc:Choice Requires="pslz">
+      <mc:AlternateContent xmlns:mc="http://schemas.openxmlformats.org/markup-compatibility/2006">
+        <mc:Choice xmlns:pslz="http://schemas.microsoft.com/office/powerpoint/2016/slidezoom" Requires="pslz">
           <p:graphicFrame>
             <p:nvGraphicFramePr>
               <p:cNvPr id="21" name="Slide Zoom 20">
@@ -24205,7 +25342,7 @@
               <p:nvPr>
                 <p:extLst>
                   <p:ext uri="{D42A27DB-BD31-4B8C-83A1-F6EECF244321}">
-                    <p14:modId xmlns:p14="http://schemas.microsoft.com/office/powerpoint/2010/main" val="1389131284"/>
+                    <p14:modId xmlns:p14="http://schemas.microsoft.com/office/powerpoint/2010/main" val="3335035577"/>
                   </p:ext>
                 </p:extLst>
               </p:nvPr>
@@ -24241,7 +25378,7 @@
             </a:graphic>
           </p:graphicFrame>
         </mc:Choice>
-        <mc:Fallback xmlns="">
+        <mc:Fallback>
           <p:pic>
             <p:nvPicPr>
               <p:cNvPr id="21" name="Slide Zoom 20">
@@ -24258,7 +25395,7 @@
               <p:nvPr/>
             </p:nvPicPr>
             <p:blipFill>
-              <a:blip r:embed="rId5"/>
+              <a:blip r:embed="rId3"/>
               <a:stretch>
                 <a:fillRect/>
               </a:stretch>
@@ -24307,7 +25444,7 @@
                   <pslz:sldZmObj sldId="262" cId="3278331146">
                     <pslz:zmPr id="{DFE42AB8-A237-4052-BDF2-EE3187705F1C}" returnToParent="0" transitionDur="1500" showBg="0">
                       <p166:blipFill xmlns:p166="http://schemas.microsoft.com/office/powerpoint/2016/6/main">
-                        <a:blip r:embed="rId6"/>
+                        <a:blip r:embed="rId5"/>
                         <a:stretch>
                           <a:fillRect/>
                         </a:stretch>
@@ -24549,842 +25686,6 @@
 </p:sld>
 </file>
 
-<file path=ppt/slides/slide4.xml><?xml version="1.0" encoding="utf-8"?>
-<p:sld xmlns:a="http://schemas.openxmlformats.org/drawingml/2006/main" xmlns:r="http://schemas.openxmlformats.org/officeDocument/2006/relationships" xmlns:p="http://schemas.openxmlformats.org/presentationml/2006/main">
-  <p:cSld>
-    <p:spTree>
-      <p:nvGrpSpPr>
-        <p:cNvPr id="1" name=""/>
-        <p:cNvGrpSpPr/>
-        <p:nvPr/>
-      </p:nvGrpSpPr>
-      <p:grpSpPr>
-        <a:xfrm>
-          <a:off x="0" y="0"/>
-          <a:ext cx="0" cy="0"/>
-          <a:chOff x="0" y="0"/>
-          <a:chExt cx="0" cy="0"/>
-        </a:xfrm>
-      </p:grpSpPr>
-      <p:sp>
-        <p:nvSpPr>
-          <p:cNvPr id="5" name="Rectangle 4">
-            <a:extLst>
-              <a:ext uri="{FF2B5EF4-FFF2-40B4-BE49-F238E27FC236}">
-                <a16:creationId xmlns:a16="http://schemas.microsoft.com/office/drawing/2014/main" id="{37268AE2-965A-485F-93A7-1242CA97CA66}"/>
-              </a:ext>
-            </a:extLst>
-          </p:cNvPr>
-          <p:cNvSpPr/>
-          <p:nvPr/>
-        </p:nvSpPr>
-        <p:spPr>
-          <a:xfrm>
-            <a:off x="0" y="5823397"/>
-            <a:ext cx="12192000" cy="1034603"/>
-          </a:xfrm>
-          <a:prstGeom prst="rect">
-            <a:avLst/>
-          </a:prstGeom>
-          <a:solidFill>
-            <a:schemeClr val="bg1"/>
-          </a:solidFill>
-          <a:ln>
-            <a:noFill/>
-          </a:ln>
-        </p:spPr>
-        <p:style>
-          <a:lnRef idx="2">
-            <a:schemeClr val="accent1">
-              <a:shade val="50000"/>
-            </a:schemeClr>
-          </a:lnRef>
-          <a:fillRef idx="1">
-            <a:schemeClr val="accent1"/>
-          </a:fillRef>
-          <a:effectRef idx="0">
-            <a:schemeClr val="accent1"/>
-          </a:effectRef>
-          <a:fontRef idx="minor">
-            <a:schemeClr val="lt1"/>
-          </a:fontRef>
-        </p:style>
-        <p:txBody>
-          <a:bodyPr rtlCol="0" anchor="ctr"/>
-          <a:lstStyle/>
-          <a:p>
-            <a:pPr algn="ctr"/>
-            <a:endParaRPr lang="LID4096"/>
-          </a:p>
-        </p:txBody>
-      </p:sp>
-      <p:pic>
-        <p:nvPicPr>
-          <p:cNvPr id="14" name="Picture 13">
-            <a:extLst>
-              <a:ext uri="{FF2B5EF4-FFF2-40B4-BE49-F238E27FC236}">
-                <a16:creationId xmlns:a16="http://schemas.microsoft.com/office/drawing/2014/main" id="{A29D75E0-8467-45BA-B14F-C0034CD2CD65}"/>
-              </a:ext>
-            </a:extLst>
-          </p:cNvPr>
-          <p:cNvPicPr>
-            <a:picLocks noChangeAspect="1"/>
-          </p:cNvPicPr>
-          <p:nvPr/>
-        </p:nvPicPr>
-        <p:blipFill rotWithShape="1">
-          <a:blip r:embed="rId2"/>
-          <a:srcRect t="4809"/>
-          <a:stretch/>
-        </p:blipFill>
-        <p:spPr>
-          <a:xfrm>
-            <a:off x="1952978" y="79022"/>
-            <a:ext cx="8026400" cy="1564424"/>
-          </a:xfrm>
-          <a:prstGeom prst="rect">
-            <a:avLst/>
-          </a:prstGeom>
-        </p:spPr>
-      </p:pic>
-      <p:sp>
-        <p:nvSpPr>
-          <p:cNvPr id="15" name="TextBox 14">
-            <a:extLst>
-              <a:ext uri="{FF2B5EF4-FFF2-40B4-BE49-F238E27FC236}">
-                <a16:creationId xmlns:a16="http://schemas.microsoft.com/office/drawing/2014/main" id="{91CC490D-C7FA-4C88-9F6B-CECD3760C606}"/>
-              </a:ext>
-            </a:extLst>
-          </p:cNvPr>
-          <p:cNvSpPr txBox="1"/>
-          <p:nvPr/>
-        </p:nvSpPr>
-        <p:spPr>
-          <a:xfrm>
-            <a:off x="4583984" y="165985"/>
-            <a:ext cx="2912977" cy="1200329"/>
-          </a:xfrm>
-          <a:prstGeom prst="rect">
-            <a:avLst/>
-          </a:prstGeom>
-          <a:noFill/>
-        </p:spPr>
-        <p:txBody>
-          <a:bodyPr wrap="none" rtlCol="0">
-            <a:spAutoFit/>
-          </a:bodyPr>
-          <a:lstStyle/>
-          <a:p>
-            <a:r>
-              <a:rPr lang="fr-BE" sz="7200" dirty="0" err="1">
-                <a:latin typeface="Janitor" pitchFamily="2" charset="0"/>
-              </a:rPr>
-              <a:t>Create</a:t>
-            </a:r>
-            <a:endParaRPr lang="LID4096" dirty="0">
-              <a:latin typeface="Janitor" pitchFamily="2" charset="0"/>
-            </a:endParaRPr>
-          </a:p>
-        </p:txBody>
-      </p:sp>
-      <p:sp>
-        <p:nvSpPr>
-          <p:cNvPr id="2" name="Rectangle 1">
-            <a:extLst>
-              <a:ext uri="{FF2B5EF4-FFF2-40B4-BE49-F238E27FC236}">
-                <a16:creationId xmlns:a16="http://schemas.microsoft.com/office/drawing/2014/main" id="{632FF935-2DAF-477B-9B8B-BEA54CA68555}"/>
-              </a:ext>
-            </a:extLst>
-          </p:cNvPr>
-          <p:cNvSpPr/>
-          <p:nvPr/>
-        </p:nvSpPr>
-        <p:spPr>
-          <a:xfrm>
-            <a:off x="3062880" y="1838845"/>
-            <a:ext cx="6120000" cy="3600000"/>
-          </a:xfrm>
-          <a:prstGeom prst="rect">
-            <a:avLst/>
-          </a:prstGeom>
-          <a:solidFill>
-            <a:srgbClr val="FFFFCC"/>
-          </a:solidFill>
-          <a:ln>
-            <a:noFill/>
-          </a:ln>
-          <a:effectLst>
-            <a:outerShdw blurRad="50800" dist="38100" dir="2700000" sx="102000" sy="102000" algn="tl" rotWithShape="0">
-              <a:prstClr val="black">
-                <a:alpha val="40000"/>
-              </a:prstClr>
-            </a:outerShdw>
-          </a:effectLst>
-        </p:spPr>
-        <p:style>
-          <a:lnRef idx="2">
-            <a:schemeClr val="accent1">
-              <a:shade val="50000"/>
-            </a:schemeClr>
-          </a:lnRef>
-          <a:fillRef idx="1">
-            <a:schemeClr val="accent1"/>
-          </a:fillRef>
-          <a:effectRef idx="0">
-            <a:schemeClr val="accent1"/>
-          </a:effectRef>
-          <a:fontRef idx="minor">
-            <a:schemeClr val="lt1"/>
-          </a:fontRef>
-        </p:style>
-        <p:txBody>
-          <a:bodyPr rtlCol="0" anchor="ctr"/>
-          <a:lstStyle/>
-          <a:p>
-            <a:pPr algn="ctr"/>
-            <a:r>
-              <a:rPr lang="en-US" sz="5400" dirty="0">
-                <a:solidFill>
-                  <a:schemeClr val="tx1"/>
-                </a:solidFill>
-                <a:latin typeface="Janitor" pitchFamily="2" charset="0"/>
-              </a:rPr>
-              <a:t>Inventory </a:t>
-            </a:r>
-          </a:p>
-          <a:p>
-            <a:pPr algn="ctr"/>
-            <a:r>
-              <a:rPr lang="en-US" sz="5400" dirty="0">
-                <a:solidFill>
-                  <a:schemeClr val="tx1"/>
-                </a:solidFill>
-                <a:latin typeface="Janitor" pitchFamily="2" charset="0"/>
-              </a:rPr>
-              <a:t>Item </a:t>
-            </a:r>
-            <a:endParaRPr lang="LID4096" sz="5400" dirty="0">
-              <a:solidFill>
-                <a:schemeClr val="tx1"/>
-              </a:solidFill>
-              <a:latin typeface="Janitor" pitchFamily="2" charset="0"/>
-            </a:endParaRPr>
-          </a:p>
-        </p:txBody>
-      </p:sp>
-      <p:sp>
-        <p:nvSpPr>
-          <p:cNvPr id="8" name="Rectangle 7">
-            <a:extLst>
-              <a:ext uri="{FF2B5EF4-FFF2-40B4-BE49-F238E27FC236}">
-                <a16:creationId xmlns:a16="http://schemas.microsoft.com/office/drawing/2014/main" id="{BA188212-9293-44CE-A704-557B01EB69E1}"/>
-              </a:ext>
-            </a:extLst>
-          </p:cNvPr>
-          <p:cNvSpPr/>
-          <p:nvPr/>
-        </p:nvSpPr>
-        <p:spPr>
-          <a:xfrm>
-            <a:off x="1515491" y="3738675"/>
-            <a:ext cx="2520000" cy="2520000"/>
-          </a:xfrm>
-          <a:prstGeom prst="rect">
-            <a:avLst/>
-          </a:prstGeom>
-          <a:solidFill>
-            <a:srgbClr val="26BAE0"/>
-          </a:solidFill>
-          <a:ln>
-            <a:noFill/>
-          </a:ln>
-          <a:effectLst>
-            <a:outerShdw blurRad="50800" dist="38100" dir="2700000" sx="102000" sy="102000" algn="tl" rotWithShape="0">
-              <a:prstClr val="black">
-                <a:alpha val="40000"/>
-              </a:prstClr>
-            </a:outerShdw>
-          </a:effectLst>
-        </p:spPr>
-        <p:style>
-          <a:lnRef idx="2">
-            <a:schemeClr val="accent1">
-              <a:shade val="50000"/>
-            </a:schemeClr>
-          </a:lnRef>
-          <a:fillRef idx="1">
-            <a:schemeClr val="accent1"/>
-          </a:fillRef>
-          <a:effectRef idx="0">
-            <a:schemeClr val="accent1"/>
-          </a:effectRef>
-          <a:fontRef idx="minor">
-            <a:schemeClr val="lt1"/>
-          </a:fontRef>
-        </p:style>
-        <p:txBody>
-          <a:bodyPr rtlCol="0" anchor="ctr"/>
-          <a:lstStyle/>
-          <a:p>
-            <a:pPr algn="ctr"/>
-            <a:r>
-              <a:rPr lang="en-US" sz="3600" dirty="0">
-                <a:solidFill>
-                  <a:schemeClr val="tx1"/>
-                </a:solidFill>
-                <a:latin typeface="Janitor" pitchFamily="2" charset="0"/>
-              </a:rPr>
-              <a:t>Create</a:t>
-            </a:r>
-          </a:p>
-          <a:p>
-            <a:pPr algn="ctr"/>
-            <a:r>
-              <a:rPr lang="en-US" sz="3600" dirty="0">
-                <a:solidFill>
-                  <a:schemeClr val="tx1"/>
-                </a:solidFill>
-                <a:latin typeface="Janitor" pitchFamily="2" charset="0"/>
-              </a:rPr>
-              <a:t>Inventory </a:t>
-            </a:r>
-          </a:p>
-          <a:p>
-            <a:pPr algn="ctr"/>
-            <a:r>
-              <a:rPr lang="en-US" sz="3600" dirty="0">
-                <a:solidFill>
-                  <a:schemeClr val="tx1"/>
-                </a:solidFill>
-                <a:latin typeface="Janitor" pitchFamily="2" charset="0"/>
-              </a:rPr>
-              <a:t>Item </a:t>
-            </a:r>
-            <a:endParaRPr lang="LID4096" sz="3600" dirty="0">
-              <a:solidFill>
-                <a:schemeClr val="tx1"/>
-              </a:solidFill>
-              <a:latin typeface="Janitor" pitchFamily="2" charset="0"/>
-            </a:endParaRPr>
-          </a:p>
-        </p:txBody>
-      </p:sp>
-      <p:sp>
-        <p:nvSpPr>
-          <p:cNvPr id="10" name="Rectangle 9">
-            <a:extLst>
-              <a:ext uri="{FF2B5EF4-FFF2-40B4-BE49-F238E27FC236}">
-                <a16:creationId xmlns:a16="http://schemas.microsoft.com/office/drawing/2014/main" id="{4C2E2650-62E1-495D-986D-90049C700663}"/>
-              </a:ext>
-            </a:extLst>
-          </p:cNvPr>
-          <p:cNvSpPr/>
-          <p:nvPr/>
-        </p:nvSpPr>
-        <p:spPr>
-          <a:xfrm>
-            <a:off x="8358973" y="3874923"/>
-            <a:ext cx="2520000" cy="2520000"/>
-          </a:xfrm>
-          <a:prstGeom prst="rect">
-            <a:avLst/>
-          </a:prstGeom>
-          <a:solidFill>
-            <a:srgbClr val="FEAA61"/>
-          </a:solidFill>
-          <a:ln>
-            <a:noFill/>
-          </a:ln>
-          <a:effectLst>
-            <a:outerShdw blurRad="50800" dist="38100" dir="2700000" sx="102000" sy="102000" algn="tl" rotWithShape="0">
-              <a:prstClr val="black">
-                <a:alpha val="40000"/>
-              </a:prstClr>
-            </a:outerShdw>
-          </a:effectLst>
-        </p:spPr>
-        <p:style>
-          <a:lnRef idx="2">
-            <a:schemeClr val="accent1">
-              <a:shade val="50000"/>
-            </a:schemeClr>
-          </a:lnRef>
-          <a:fillRef idx="1">
-            <a:schemeClr val="accent1"/>
-          </a:fillRef>
-          <a:effectRef idx="0">
-            <a:schemeClr val="accent1"/>
-          </a:effectRef>
-          <a:fontRef idx="minor">
-            <a:schemeClr val="lt1"/>
-          </a:fontRef>
-        </p:style>
-        <p:txBody>
-          <a:bodyPr rtlCol="0" anchor="ctr"/>
-          <a:lstStyle/>
-          <a:p>
-            <a:pPr algn="ctr"/>
-            <a:r>
-              <a:rPr lang="en-US" sz="3600" dirty="0">
-                <a:solidFill>
-                  <a:schemeClr val="tx1"/>
-                </a:solidFill>
-                <a:latin typeface="Janitor" pitchFamily="2" charset="0"/>
-              </a:rPr>
-              <a:t>Inventory </a:t>
-            </a:r>
-          </a:p>
-          <a:p>
-            <a:pPr algn="ctr"/>
-            <a:r>
-              <a:rPr lang="en-US" sz="3600" dirty="0">
-                <a:solidFill>
-                  <a:schemeClr val="tx1"/>
-                </a:solidFill>
-                <a:latin typeface="Janitor" pitchFamily="2" charset="0"/>
-              </a:rPr>
-              <a:t>Item Created</a:t>
-            </a:r>
-            <a:endParaRPr lang="LID4096" sz="3600" dirty="0">
-              <a:solidFill>
-                <a:schemeClr val="tx1"/>
-              </a:solidFill>
-              <a:latin typeface="Janitor" pitchFamily="2" charset="0"/>
-            </a:endParaRPr>
-          </a:p>
-        </p:txBody>
-      </p:sp>
-    </p:spTree>
-    <p:extLst>
-      <p:ext uri="{BB962C8B-B14F-4D97-AF65-F5344CB8AC3E}">
-        <p14:creationId xmlns:p14="http://schemas.microsoft.com/office/powerpoint/2010/main" val="113671055"/>
-      </p:ext>
-    </p:extLst>
-  </p:cSld>
-  <p:clrMapOvr>
-    <a:masterClrMapping/>
-  </p:clrMapOvr>
-</p:sld>
-</file>
-
-<file path=ppt/slides/slide5.xml><?xml version="1.0" encoding="utf-8"?>
-<p:sld xmlns:a="http://schemas.openxmlformats.org/drawingml/2006/main" xmlns:r="http://schemas.openxmlformats.org/officeDocument/2006/relationships" xmlns:p="http://schemas.openxmlformats.org/presentationml/2006/main">
-  <p:cSld>
-    <p:spTree>
-      <p:nvGrpSpPr>
-        <p:cNvPr id="1" name=""/>
-        <p:cNvGrpSpPr/>
-        <p:nvPr/>
-      </p:nvGrpSpPr>
-      <p:grpSpPr>
-        <a:xfrm>
-          <a:off x="0" y="0"/>
-          <a:ext cx="0" cy="0"/>
-          <a:chOff x="0" y="0"/>
-          <a:chExt cx="0" cy="0"/>
-        </a:xfrm>
-      </p:grpSpPr>
-      <p:sp>
-        <p:nvSpPr>
-          <p:cNvPr id="5" name="Rectangle 4">
-            <a:extLst>
-              <a:ext uri="{FF2B5EF4-FFF2-40B4-BE49-F238E27FC236}">
-                <a16:creationId xmlns:a16="http://schemas.microsoft.com/office/drawing/2014/main" id="{37268AE2-965A-485F-93A7-1242CA97CA66}"/>
-              </a:ext>
-            </a:extLst>
-          </p:cNvPr>
-          <p:cNvSpPr/>
-          <p:nvPr/>
-        </p:nvSpPr>
-        <p:spPr>
-          <a:xfrm>
-            <a:off x="0" y="5823397"/>
-            <a:ext cx="12192000" cy="1034603"/>
-          </a:xfrm>
-          <a:prstGeom prst="rect">
-            <a:avLst/>
-          </a:prstGeom>
-          <a:solidFill>
-            <a:schemeClr val="bg1"/>
-          </a:solidFill>
-          <a:ln>
-            <a:noFill/>
-          </a:ln>
-        </p:spPr>
-        <p:style>
-          <a:lnRef idx="2">
-            <a:schemeClr val="accent1">
-              <a:shade val="50000"/>
-            </a:schemeClr>
-          </a:lnRef>
-          <a:fillRef idx="1">
-            <a:schemeClr val="accent1"/>
-          </a:fillRef>
-          <a:effectRef idx="0">
-            <a:schemeClr val="accent1"/>
-          </a:effectRef>
-          <a:fontRef idx="minor">
-            <a:schemeClr val="lt1"/>
-          </a:fontRef>
-        </p:style>
-        <p:txBody>
-          <a:bodyPr rtlCol="0" anchor="ctr"/>
-          <a:lstStyle/>
-          <a:p>
-            <a:pPr algn="ctr"/>
-            <a:endParaRPr lang="LID4096"/>
-          </a:p>
-        </p:txBody>
-      </p:sp>
-      <p:pic>
-        <p:nvPicPr>
-          <p:cNvPr id="6" name="Picture 5">
-            <a:extLst>
-              <a:ext uri="{FF2B5EF4-FFF2-40B4-BE49-F238E27FC236}">
-                <a16:creationId xmlns:a16="http://schemas.microsoft.com/office/drawing/2014/main" id="{6E9958C6-B1E6-47DA-9B01-5B777888A920}"/>
-              </a:ext>
-            </a:extLst>
-          </p:cNvPr>
-          <p:cNvPicPr>
-            <a:picLocks noChangeAspect="1"/>
-          </p:cNvPicPr>
-          <p:nvPr/>
-        </p:nvPicPr>
-        <p:blipFill rotWithShape="1">
-          <a:blip r:embed="rId2"/>
-          <a:srcRect t="2404"/>
-          <a:stretch/>
-        </p:blipFill>
-        <p:spPr>
-          <a:xfrm>
-            <a:off x="1952978" y="39510"/>
-            <a:ext cx="8026400" cy="1603935"/>
-          </a:xfrm>
-          <a:prstGeom prst="rect">
-            <a:avLst/>
-          </a:prstGeom>
-        </p:spPr>
-      </p:pic>
-      <p:sp>
-        <p:nvSpPr>
-          <p:cNvPr id="7" name="TextBox 6">
-            <a:extLst>
-              <a:ext uri="{FF2B5EF4-FFF2-40B4-BE49-F238E27FC236}">
-                <a16:creationId xmlns:a16="http://schemas.microsoft.com/office/drawing/2014/main" id="{3307A5BC-49E7-4A9D-89B5-DA6E34FD0C96}"/>
-              </a:ext>
-            </a:extLst>
-          </p:cNvPr>
-          <p:cNvSpPr txBox="1"/>
-          <p:nvPr/>
-        </p:nvSpPr>
-        <p:spPr>
-          <a:xfrm>
-            <a:off x="4583984" y="165985"/>
-            <a:ext cx="3324949" cy="1200329"/>
-          </a:xfrm>
-          <a:prstGeom prst="rect">
-            <a:avLst/>
-          </a:prstGeom>
-          <a:noFill/>
-        </p:spPr>
-        <p:txBody>
-          <a:bodyPr wrap="none" rtlCol="0">
-            <a:spAutoFit/>
-          </a:bodyPr>
-          <a:lstStyle/>
-          <a:p>
-            <a:r>
-              <a:rPr lang="fr-BE" sz="7200" dirty="0">
-                <a:latin typeface="Janitor" pitchFamily="2" charset="0"/>
-              </a:rPr>
-              <a:t>Rename</a:t>
-            </a:r>
-            <a:endParaRPr lang="LID4096" dirty="0">
-              <a:latin typeface="Janitor" pitchFamily="2" charset="0"/>
-            </a:endParaRPr>
-          </a:p>
-        </p:txBody>
-      </p:sp>
-      <p:sp>
-        <p:nvSpPr>
-          <p:cNvPr id="8" name="Rectangle 7">
-            <a:extLst>
-              <a:ext uri="{FF2B5EF4-FFF2-40B4-BE49-F238E27FC236}">
-                <a16:creationId xmlns:a16="http://schemas.microsoft.com/office/drawing/2014/main" id="{9AFCDED1-B3AF-45AE-B27F-652719A1D49E}"/>
-              </a:ext>
-            </a:extLst>
-          </p:cNvPr>
-          <p:cNvSpPr/>
-          <p:nvPr/>
-        </p:nvSpPr>
-        <p:spPr>
-          <a:xfrm>
-            <a:off x="3062880" y="1838845"/>
-            <a:ext cx="6120000" cy="3600000"/>
-          </a:xfrm>
-          <a:prstGeom prst="rect">
-            <a:avLst/>
-          </a:prstGeom>
-          <a:solidFill>
-            <a:srgbClr val="FFFFCC"/>
-          </a:solidFill>
-          <a:ln>
-            <a:noFill/>
-          </a:ln>
-          <a:effectLst>
-            <a:outerShdw blurRad="50800" dist="38100" dir="2700000" sx="102000" sy="102000" algn="tl" rotWithShape="0">
-              <a:prstClr val="black">
-                <a:alpha val="40000"/>
-              </a:prstClr>
-            </a:outerShdw>
-          </a:effectLst>
-        </p:spPr>
-        <p:style>
-          <a:lnRef idx="2">
-            <a:schemeClr val="accent1">
-              <a:shade val="50000"/>
-            </a:schemeClr>
-          </a:lnRef>
-          <a:fillRef idx="1">
-            <a:schemeClr val="accent1"/>
-          </a:fillRef>
-          <a:effectRef idx="0">
-            <a:schemeClr val="accent1"/>
-          </a:effectRef>
-          <a:fontRef idx="minor">
-            <a:schemeClr val="lt1"/>
-          </a:fontRef>
-        </p:style>
-        <p:txBody>
-          <a:bodyPr rtlCol="0" anchor="ctr"/>
-          <a:lstStyle/>
-          <a:p>
-            <a:pPr algn="ctr"/>
-            <a:r>
-              <a:rPr lang="en-US" sz="5400" dirty="0">
-                <a:solidFill>
-                  <a:schemeClr val="tx1"/>
-                </a:solidFill>
-                <a:latin typeface="Janitor" pitchFamily="2" charset="0"/>
-              </a:rPr>
-              <a:t>Inventory </a:t>
-            </a:r>
-          </a:p>
-          <a:p>
-            <a:pPr algn="ctr"/>
-            <a:r>
-              <a:rPr lang="en-US" sz="5400" dirty="0">
-                <a:solidFill>
-                  <a:schemeClr val="tx1"/>
-                </a:solidFill>
-                <a:latin typeface="Janitor" pitchFamily="2" charset="0"/>
-              </a:rPr>
-              <a:t>Item </a:t>
-            </a:r>
-            <a:endParaRPr lang="LID4096" sz="5400" dirty="0">
-              <a:solidFill>
-                <a:schemeClr val="tx1"/>
-              </a:solidFill>
-              <a:latin typeface="Janitor" pitchFamily="2" charset="0"/>
-            </a:endParaRPr>
-          </a:p>
-        </p:txBody>
-      </p:sp>
-      <p:sp>
-        <p:nvSpPr>
-          <p:cNvPr id="9" name="Rectangle 8">
-            <a:extLst>
-              <a:ext uri="{FF2B5EF4-FFF2-40B4-BE49-F238E27FC236}">
-                <a16:creationId xmlns:a16="http://schemas.microsoft.com/office/drawing/2014/main" id="{56FEF825-772D-4F29-AC49-37E9B164E53C}"/>
-              </a:ext>
-            </a:extLst>
-          </p:cNvPr>
-          <p:cNvSpPr/>
-          <p:nvPr/>
-        </p:nvSpPr>
-        <p:spPr>
-          <a:xfrm>
-            <a:off x="1515491" y="3738675"/>
-            <a:ext cx="2520000" cy="2520000"/>
-          </a:xfrm>
-          <a:prstGeom prst="rect">
-            <a:avLst/>
-          </a:prstGeom>
-          <a:solidFill>
-            <a:srgbClr val="26BAE0"/>
-          </a:solidFill>
-          <a:ln>
-            <a:noFill/>
-          </a:ln>
-          <a:effectLst>
-            <a:outerShdw blurRad="50800" dist="38100" dir="2700000" sx="102000" sy="102000" algn="tl" rotWithShape="0">
-              <a:prstClr val="black">
-                <a:alpha val="40000"/>
-              </a:prstClr>
-            </a:outerShdw>
-          </a:effectLst>
-        </p:spPr>
-        <p:style>
-          <a:lnRef idx="2">
-            <a:schemeClr val="accent1">
-              <a:shade val="50000"/>
-            </a:schemeClr>
-          </a:lnRef>
-          <a:fillRef idx="1">
-            <a:schemeClr val="accent1"/>
-          </a:fillRef>
-          <a:effectRef idx="0">
-            <a:schemeClr val="accent1"/>
-          </a:effectRef>
-          <a:fontRef idx="minor">
-            <a:schemeClr val="lt1"/>
-          </a:fontRef>
-        </p:style>
-        <p:txBody>
-          <a:bodyPr rtlCol="0" anchor="ctr"/>
-          <a:lstStyle/>
-          <a:p>
-            <a:pPr algn="ctr"/>
-            <a:r>
-              <a:rPr lang="en-US" sz="3600" dirty="0">
-                <a:solidFill>
-                  <a:schemeClr val="tx1"/>
-                </a:solidFill>
-                <a:latin typeface="Janitor" pitchFamily="2" charset="0"/>
-              </a:rPr>
-              <a:t>Rename</a:t>
-            </a:r>
-          </a:p>
-          <a:p>
-            <a:pPr algn="ctr"/>
-            <a:r>
-              <a:rPr lang="en-US" sz="3600" dirty="0">
-                <a:solidFill>
-                  <a:schemeClr val="tx1"/>
-                </a:solidFill>
-                <a:latin typeface="Janitor" pitchFamily="2" charset="0"/>
-              </a:rPr>
-              <a:t>Inventory </a:t>
-            </a:r>
-          </a:p>
-          <a:p>
-            <a:pPr algn="ctr"/>
-            <a:r>
-              <a:rPr lang="en-US" sz="3600" dirty="0">
-                <a:solidFill>
-                  <a:schemeClr val="tx1"/>
-                </a:solidFill>
-                <a:latin typeface="Janitor" pitchFamily="2" charset="0"/>
-              </a:rPr>
-              <a:t>Item </a:t>
-            </a:r>
-            <a:endParaRPr lang="LID4096" sz="3600" dirty="0">
-              <a:solidFill>
-                <a:schemeClr val="tx1"/>
-              </a:solidFill>
-              <a:latin typeface="Janitor" pitchFamily="2" charset="0"/>
-            </a:endParaRPr>
-          </a:p>
-        </p:txBody>
-      </p:sp>
-      <p:sp>
-        <p:nvSpPr>
-          <p:cNvPr id="10" name="Rectangle 9">
-            <a:extLst>
-              <a:ext uri="{FF2B5EF4-FFF2-40B4-BE49-F238E27FC236}">
-                <a16:creationId xmlns:a16="http://schemas.microsoft.com/office/drawing/2014/main" id="{98511ADE-BEB4-4455-84A1-52290B6DAD24}"/>
-              </a:ext>
-            </a:extLst>
-          </p:cNvPr>
-          <p:cNvSpPr/>
-          <p:nvPr/>
-        </p:nvSpPr>
-        <p:spPr>
-          <a:xfrm>
-            <a:off x="8358973" y="3874923"/>
-            <a:ext cx="2520000" cy="2520000"/>
-          </a:xfrm>
-          <a:prstGeom prst="rect">
-            <a:avLst/>
-          </a:prstGeom>
-          <a:solidFill>
-            <a:srgbClr val="FEAA61"/>
-          </a:solidFill>
-          <a:ln>
-            <a:noFill/>
-          </a:ln>
-          <a:effectLst>
-            <a:outerShdw blurRad="50800" dist="38100" dir="2700000" sx="102000" sy="102000" algn="tl" rotWithShape="0">
-              <a:prstClr val="black">
-                <a:alpha val="40000"/>
-              </a:prstClr>
-            </a:outerShdw>
-          </a:effectLst>
-        </p:spPr>
-        <p:style>
-          <a:lnRef idx="2">
-            <a:schemeClr val="accent1">
-              <a:shade val="50000"/>
-            </a:schemeClr>
-          </a:lnRef>
-          <a:fillRef idx="1">
-            <a:schemeClr val="accent1"/>
-          </a:fillRef>
-          <a:effectRef idx="0">
-            <a:schemeClr val="accent1"/>
-          </a:effectRef>
-          <a:fontRef idx="minor">
-            <a:schemeClr val="lt1"/>
-          </a:fontRef>
-        </p:style>
-        <p:txBody>
-          <a:bodyPr rtlCol="0" anchor="ctr"/>
-          <a:lstStyle/>
-          <a:p>
-            <a:pPr algn="ctr"/>
-            <a:r>
-              <a:rPr lang="en-US" sz="3600" dirty="0">
-                <a:solidFill>
-                  <a:schemeClr val="tx1"/>
-                </a:solidFill>
-                <a:latin typeface="Janitor" pitchFamily="2" charset="0"/>
-              </a:rPr>
-              <a:t>Inventory </a:t>
-            </a:r>
-          </a:p>
-          <a:p>
-            <a:pPr algn="ctr"/>
-            <a:r>
-              <a:rPr lang="en-US" sz="3600" dirty="0">
-                <a:solidFill>
-                  <a:schemeClr val="tx1"/>
-                </a:solidFill>
-                <a:latin typeface="Janitor" pitchFamily="2" charset="0"/>
-              </a:rPr>
-              <a:t>Item Renamed</a:t>
-            </a:r>
-            <a:endParaRPr lang="LID4096" sz="3600" dirty="0">
-              <a:solidFill>
-                <a:schemeClr val="tx1"/>
-              </a:solidFill>
-              <a:latin typeface="Janitor" pitchFamily="2" charset="0"/>
-            </a:endParaRPr>
-          </a:p>
-        </p:txBody>
-      </p:sp>
-    </p:spTree>
-    <p:extLst>
-      <p:ext uri="{BB962C8B-B14F-4D97-AF65-F5344CB8AC3E}">
-        <p14:creationId xmlns:p14="http://schemas.microsoft.com/office/powerpoint/2010/main" val="3278331146"/>
-      </p:ext>
-    </p:extLst>
-  </p:cSld>
-  <p:clrMapOvr>
-    <a:masterClrMapping/>
-  </p:clrMapOvr>
-</p:sld>
-</file>
-
 <file path=ppt/slides/slide6.xml><?xml version="1.0" encoding="utf-8"?>
 <p:sld xmlns:a="http://schemas.openxmlformats.org/drawingml/2006/main" xmlns:r="http://schemas.openxmlformats.org/officeDocument/2006/relationships" xmlns:p="http://schemas.openxmlformats.org/presentationml/2006/main">
   <p:cSld>
@@ -25456,10 +25757,10 @@
       </p:sp>
       <p:pic>
         <p:nvPicPr>
-          <p:cNvPr id="7" name="Picture 6">
-            <a:extLst>
-              <a:ext uri="{FF2B5EF4-FFF2-40B4-BE49-F238E27FC236}">
-                <a16:creationId xmlns:a16="http://schemas.microsoft.com/office/drawing/2014/main" id="{DD795F84-B1FA-4F65-904C-74606853B8D7}"/>
+          <p:cNvPr id="14" name="Picture 13">
+            <a:extLst>
+              <a:ext uri="{FF2B5EF4-FFF2-40B4-BE49-F238E27FC236}">
+                <a16:creationId xmlns:a16="http://schemas.microsoft.com/office/drawing/2014/main" id="{A29D75E0-8467-45BA-B14F-C0034CD2CD65}"/>
               </a:ext>
             </a:extLst>
           </p:cNvPr>
@@ -25470,13 +25771,13 @@
         </p:nvPicPr>
         <p:blipFill rotWithShape="1">
           <a:blip r:embed="rId2"/>
-          <a:srcRect t="3778"/>
+          <a:srcRect t="4809"/>
           <a:stretch/>
         </p:blipFill>
         <p:spPr>
           <a:xfrm>
-            <a:off x="3499552" y="74942"/>
-            <a:ext cx="5469466" cy="1077591"/>
+            <a:off x="1952978" y="79022"/>
+            <a:ext cx="8026400" cy="1564424"/>
           </a:xfrm>
           <a:prstGeom prst="rect">
             <a:avLst/>
@@ -25485,10 +25786,10 @@
       </p:pic>
       <p:sp>
         <p:nvSpPr>
-          <p:cNvPr id="8" name="TextBox 7">
-            <a:extLst>
-              <a:ext uri="{FF2B5EF4-FFF2-40B4-BE49-F238E27FC236}">
-                <a16:creationId xmlns:a16="http://schemas.microsoft.com/office/drawing/2014/main" id="{35992612-1610-4119-80A2-E642745AE2E8}"/>
+          <p:cNvPr id="15" name="TextBox 14">
+            <a:extLst>
+              <a:ext uri="{FF2B5EF4-FFF2-40B4-BE49-F238E27FC236}">
+                <a16:creationId xmlns:a16="http://schemas.microsoft.com/office/drawing/2014/main" id="{91CC490D-C7FA-4C88-9F6B-CECD3760C606}"/>
               </a:ext>
             </a:extLst>
           </p:cNvPr>
@@ -25497,8 +25798,8 @@
         </p:nvSpPr>
         <p:spPr>
           <a:xfrm>
-            <a:off x="3726673" y="178839"/>
-            <a:ext cx="5119287" cy="769441"/>
+            <a:off x="4583984" y="165985"/>
+            <a:ext cx="2912977" cy="1200329"/>
           </a:xfrm>
           <a:prstGeom prst="rect">
             <a:avLst/>
@@ -25512,24 +25813,12 @@
           <a:lstStyle/>
           <a:p>
             <a:r>
-              <a:rPr lang="fr-BE" sz="4400" dirty="0" err="1">
+              <a:rPr lang="fr-BE" sz="7200" dirty="0" err="1">
                 <a:latin typeface="Janitor" pitchFamily="2" charset="0"/>
               </a:rPr>
-              <a:t>Checkin</a:t>
-            </a:r>
-            <a:r>
-              <a:rPr lang="fr-BE" sz="4400" dirty="0">
-                <a:latin typeface="Janitor" pitchFamily="2" charset="0"/>
-              </a:rPr>
-              <a:t> / </a:t>
-            </a:r>
-            <a:r>
-              <a:rPr lang="fr-BE" sz="4400" dirty="0" err="1">
-                <a:latin typeface="Janitor" pitchFamily="2" charset="0"/>
-              </a:rPr>
-              <a:t>Checkout</a:t>
-            </a:r>
-            <a:endParaRPr lang="LID4096" sz="1050" dirty="0">
+              <a:t>Create</a:t>
+            </a:r>
+            <a:endParaRPr lang="LID4096" dirty="0">
               <a:latin typeface="Janitor" pitchFamily="2" charset="0"/>
             </a:endParaRPr>
           </a:p>
@@ -25537,22 +25826,20 @@
       </p:sp>
       <p:sp>
         <p:nvSpPr>
-          <p:cNvPr id="19" name="Rectangle 18">
-            <a:extLst>
-              <a:ext uri="{FF2B5EF4-FFF2-40B4-BE49-F238E27FC236}">
-                <a16:creationId xmlns:a16="http://schemas.microsoft.com/office/drawing/2014/main" id="{741C3C1E-1D1A-4F35-B926-D98877662004}"/>
-              </a:ext>
-            </a:extLst>
-          </p:cNvPr>
-          <p:cNvSpPr>
-            <a:spLocks noChangeAspect="1"/>
-          </p:cNvSpPr>
+          <p:cNvPr id="2" name="Rectangle 1">
+            <a:extLst>
+              <a:ext uri="{FF2B5EF4-FFF2-40B4-BE49-F238E27FC236}">
+                <a16:creationId xmlns:a16="http://schemas.microsoft.com/office/drawing/2014/main" id="{632FF935-2DAF-477B-9B8B-BEA54CA68555}"/>
+              </a:ext>
+            </a:extLst>
+          </p:cNvPr>
+          <p:cNvSpPr/>
           <p:nvPr/>
         </p:nvSpPr>
         <p:spPr>
           <a:xfrm>
-            <a:off x="1109910" y="1184095"/>
-            <a:ext cx="4284000" cy="2520000"/>
+            <a:off x="3062880" y="1838845"/>
+            <a:ext cx="6120000" cy="3600000"/>
           </a:xfrm>
           <a:prstGeom prst="rect">
             <a:avLst/>
@@ -25593,7 +25880,7 @@
           <a:p>
             <a:pPr algn="ctr"/>
             <a:r>
-              <a:rPr lang="en-US" sz="4000" dirty="0">
+              <a:rPr lang="en-US" sz="5400" dirty="0">
                 <a:solidFill>
                   <a:schemeClr val="tx1"/>
                 </a:solidFill>
@@ -25605,7 +25892,7 @@
           <a:p>
             <a:pPr algn="ctr"/>
             <a:r>
-              <a:rPr lang="en-US" sz="4000" dirty="0">
+              <a:rPr lang="en-US" sz="5400" dirty="0">
                 <a:solidFill>
                   <a:schemeClr val="tx1"/>
                 </a:solidFill>
@@ -25613,7 +25900,7 @@
               </a:rPr>
               <a:t>Item </a:t>
             </a:r>
-            <a:endParaRPr lang="LID4096" sz="4000" dirty="0">
+            <a:endParaRPr lang="LID4096" sz="5400" dirty="0">
               <a:solidFill>
                 <a:schemeClr val="tx1"/>
               </a:solidFill>
@@ -25624,22 +25911,20 @@
       </p:sp>
       <p:sp>
         <p:nvSpPr>
-          <p:cNvPr id="20" name="Rectangle 19">
-            <a:extLst>
-              <a:ext uri="{FF2B5EF4-FFF2-40B4-BE49-F238E27FC236}">
-                <a16:creationId xmlns:a16="http://schemas.microsoft.com/office/drawing/2014/main" id="{B701678E-AFC5-4B7F-A884-BEDA1C5C178F}"/>
-              </a:ext>
-            </a:extLst>
-          </p:cNvPr>
-          <p:cNvSpPr>
-            <a:spLocks noChangeAspect="1"/>
-          </p:cNvSpPr>
+          <p:cNvPr id="8" name="Rectangle 7">
+            <a:extLst>
+              <a:ext uri="{FF2B5EF4-FFF2-40B4-BE49-F238E27FC236}">
+                <a16:creationId xmlns:a16="http://schemas.microsoft.com/office/drawing/2014/main" id="{BA188212-9293-44CE-A704-557B01EB69E1}"/>
+              </a:ext>
+            </a:extLst>
+          </p:cNvPr>
+          <p:cNvSpPr/>
           <p:nvPr/>
         </p:nvSpPr>
         <p:spPr>
           <a:xfrm>
-            <a:off x="227910" y="2765795"/>
-            <a:ext cx="1764000" cy="1764000"/>
+            <a:off x="1515491" y="3738675"/>
+            <a:ext cx="2520000" cy="2520000"/>
           </a:xfrm>
           <a:prstGeom prst="rect">
             <a:avLst/>
@@ -25680,19 +25965,19 @@
           <a:p>
             <a:pPr algn="ctr"/>
             <a:r>
-              <a:rPr lang="en-US" sz="2400" dirty="0">
+              <a:rPr lang="en-US" sz="3600" dirty="0">
                 <a:solidFill>
                   <a:schemeClr val="tx1"/>
                 </a:solidFill>
                 <a:latin typeface="Janitor" pitchFamily="2" charset="0"/>
               </a:rPr>
-              <a:t>Check</a:t>
+              <a:t>Create</a:t>
             </a:r>
           </a:p>
           <a:p>
             <a:pPr algn="ctr"/>
             <a:r>
-              <a:rPr lang="en-US" sz="2400" dirty="0">
+              <a:rPr lang="en-US" sz="3600" dirty="0">
                 <a:solidFill>
                   <a:schemeClr val="tx1"/>
                 </a:solidFill>
@@ -25704,27 +25989,15 @@
           <a:p>
             <a:pPr algn="ctr"/>
             <a:r>
-              <a:rPr lang="en-US" sz="2400" dirty="0">
+              <a:rPr lang="en-US" sz="3600" dirty="0">
                 <a:solidFill>
                   <a:schemeClr val="tx1"/>
                 </a:solidFill>
                 <a:latin typeface="Janitor" pitchFamily="2" charset="0"/>
               </a:rPr>
-              <a:t>Item</a:t>
-            </a:r>
-          </a:p>
-          <a:p>
-            <a:pPr algn="ctr"/>
-            <a:r>
-              <a:rPr lang="en-US" sz="2400" dirty="0">
-                <a:solidFill>
-                  <a:schemeClr val="tx1"/>
-                </a:solidFill>
-                <a:latin typeface="Janitor" pitchFamily="2" charset="0"/>
-              </a:rPr>
-              <a:t>In </a:t>
-            </a:r>
-            <a:endParaRPr lang="LID4096" sz="2400" dirty="0">
+              <a:t>Item </a:t>
+            </a:r>
+            <a:endParaRPr lang="LID4096" sz="3600" dirty="0">
               <a:solidFill>
                 <a:schemeClr val="tx1"/>
               </a:solidFill>
@@ -25735,22 +26008,20 @@
       </p:sp>
       <p:sp>
         <p:nvSpPr>
-          <p:cNvPr id="21" name="Rectangle 20">
-            <a:extLst>
-              <a:ext uri="{FF2B5EF4-FFF2-40B4-BE49-F238E27FC236}">
-                <a16:creationId xmlns:a16="http://schemas.microsoft.com/office/drawing/2014/main" id="{0B21D180-52E1-4FB3-95A0-94701FE88EF7}"/>
-              </a:ext>
-            </a:extLst>
-          </p:cNvPr>
-          <p:cNvSpPr>
-            <a:spLocks noChangeAspect="1"/>
-          </p:cNvSpPr>
+          <p:cNvPr id="10" name="Rectangle 9">
+            <a:extLst>
+              <a:ext uri="{FF2B5EF4-FFF2-40B4-BE49-F238E27FC236}">
+                <a16:creationId xmlns:a16="http://schemas.microsoft.com/office/drawing/2014/main" id="{4C2E2650-62E1-495D-986D-90049C700663}"/>
+              </a:ext>
+            </a:extLst>
+          </p:cNvPr>
+          <p:cNvSpPr/>
           <p:nvPr/>
         </p:nvSpPr>
         <p:spPr>
           <a:xfrm>
-            <a:off x="4511910" y="2765795"/>
-            <a:ext cx="1764000" cy="1764000"/>
+            <a:off x="8358973" y="3874923"/>
+            <a:ext cx="2520000" cy="2520000"/>
           </a:xfrm>
           <a:prstGeom prst="rect">
             <a:avLst/>
@@ -25791,7 +26062,7 @@
           <a:p>
             <a:pPr algn="ctr"/>
             <a:r>
-              <a:rPr lang="en-US" sz="2400" dirty="0">
+              <a:rPr lang="en-US" sz="3600" dirty="0">
                 <a:solidFill>
                   <a:schemeClr val="tx1"/>
                 </a:solidFill>
@@ -25803,15 +26074,15 @@
           <a:p>
             <a:pPr algn="ctr"/>
             <a:r>
-              <a:rPr lang="en-US" sz="2400" dirty="0">
+              <a:rPr lang="en-US" sz="3600" dirty="0">
                 <a:solidFill>
                   <a:schemeClr val="tx1"/>
                 </a:solidFill>
                 <a:latin typeface="Janitor" pitchFamily="2" charset="0"/>
               </a:rPr>
-              <a:t>Item Checked In</a:t>
-            </a:r>
-            <a:endParaRPr lang="LID4096" sz="2400" dirty="0">
+              <a:t>Item Created</a:t>
+            </a:r>
+            <a:endParaRPr lang="LID4096" sz="3600" dirty="0">
               <a:solidFill>
                 <a:schemeClr val="tx1"/>
               </a:solidFill>
@@ -25820,295 +26091,10 @@
           </a:p>
         </p:txBody>
       </p:sp>
-      <p:sp>
-        <p:nvSpPr>
-          <p:cNvPr id="22" name="Rectangle 21">
-            <a:extLst>
-              <a:ext uri="{FF2B5EF4-FFF2-40B4-BE49-F238E27FC236}">
-                <a16:creationId xmlns:a16="http://schemas.microsoft.com/office/drawing/2014/main" id="{283DC7C2-082D-4E60-9285-4F5BDE041D65}"/>
-              </a:ext>
-            </a:extLst>
-          </p:cNvPr>
-          <p:cNvSpPr>
-            <a:spLocks noChangeAspect="1"/>
-          </p:cNvSpPr>
-          <p:nvPr/>
-        </p:nvSpPr>
-        <p:spPr>
-          <a:xfrm>
-            <a:off x="6850278" y="3266881"/>
-            <a:ext cx="4284000" cy="2520000"/>
-          </a:xfrm>
-          <a:prstGeom prst="rect">
-            <a:avLst/>
-          </a:prstGeom>
-          <a:solidFill>
-            <a:srgbClr val="FFFFCC"/>
-          </a:solidFill>
-          <a:ln>
-            <a:noFill/>
-          </a:ln>
-          <a:effectLst>
-            <a:outerShdw blurRad="50800" dist="38100" dir="2700000" sx="102000" sy="102000" algn="tl" rotWithShape="0">
-              <a:prstClr val="black">
-                <a:alpha val="40000"/>
-              </a:prstClr>
-            </a:outerShdw>
-          </a:effectLst>
-        </p:spPr>
-        <p:style>
-          <a:lnRef idx="2">
-            <a:schemeClr val="accent1">
-              <a:shade val="50000"/>
-            </a:schemeClr>
-          </a:lnRef>
-          <a:fillRef idx="1">
-            <a:schemeClr val="accent1"/>
-          </a:fillRef>
-          <a:effectRef idx="0">
-            <a:schemeClr val="accent1"/>
-          </a:effectRef>
-          <a:fontRef idx="minor">
-            <a:schemeClr val="lt1"/>
-          </a:fontRef>
-        </p:style>
-        <p:txBody>
-          <a:bodyPr rtlCol="0" anchor="ctr"/>
-          <a:lstStyle/>
-          <a:p>
-            <a:pPr algn="ctr"/>
-            <a:r>
-              <a:rPr lang="en-US" sz="4000" dirty="0">
-                <a:solidFill>
-                  <a:schemeClr val="tx1"/>
-                </a:solidFill>
-                <a:latin typeface="Janitor" pitchFamily="2" charset="0"/>
-              </a:rPr>
-              <a:t>Inventory </a:t>
-            </a:r>
-          </a:p>
-          <a:p>
-            <a:pPr algn="ctr"/>
-            <a:r>
-              <a:rPr lang="en-US" sz="4000" dirty="0">
-                <a:solidFill>
-                  <a:schemeClr val="tx1"/>
-                </a:solidFill>
-                <a:latin typeface="Janitor" pitchFamily="2" charset="0"/>
-              </a:rPr>
-              <a:t>Item </a:t>
-            </a:r>
-            <a:endParaRPr lang="LID4096" sz="4000" dirty="0">
-              <a:solidFill>
-                <a:schemeClr val="tx1"/>
-              </a:solidFill>
-              <a:latin typeface="Janitor" pitchFamily="2" charset="0"/>
-            </a:endParaRPr>
-          </a:p>
-        </p:txBody>
-      </p:sp>
-      <p:sp>
-        <p:nvSpPr>
-          <p:cNvPr id="23" name="Rectangle 22">
-            <a:extLst>
-              <a:ext uri="{FF2B5EF4-FFF2-40B4-BE49-F238E27FC236}">
-                <a16:creationId xmlns:a16="http://schemas.microsoft.com/office/drawing/2014/main" id="{22448882-A211-4F53-B0AC-A0BFCBA43187}"/>
-              </a:ext>
-            </a:extLst>
-          </p:cNvPr>
-          <p:cNvSpPr>
-            <a:spLocks noChangeAspect="1"/>
-          </p:cNvSpPr>
-          <p:nvPr/>
-        </p:nvSpPr>
-        <p:spPr>
-          <a:xfrm>
-            <a:off x="5968278" y="4848581"/>
-            <a:ext cx="1764000" cy="1764000"/>
-          </a:xfrm>
-          <a:prstGeom prst="rect">
-            <a:avLst/>
-          </a:prstGeom>
-          <a:solidFill>
-            <a:srgbClr val="26BAE0"/>
-          </a:solidFill>
-          <a:ln>
-            <a:noFill/>
-          </a:ln>
-          <a:effectLst>
-            <a:outerShdw blurRad="50800" dist="38100" dir="2700000" sx="102000" sy="102000" algn="tl" rotWithShape="0">
-              <a:prstClr val="black">
-                <a:alpha val="40000"/>
-              </a:prstClr>
-            </a:outerShdw>
-          </a:effectLst>
-        </p:spPr>
-        <p:style>
-          <a:lnRef idx="2">
-            <a:schemeClr val="accent1">
-              <a:shade val="50000"/>
-            </a:schemeClr>
-          </a:lnRef>
-          <a:fillRef idx="1">
-            <a:schemeClr val="accent1"/>
-          </a:fillRef>
-          <a:effectRef idx="0">
-            <a:schemeClr val="accent1"/>
-          </a:effectRef>
-          <a:fontRef idx="minor">
-            <a:schemeClr val="lt1"/>
-          </a:fontRef>
-        </p:style>
-        <p:txBody>
-          <a:bodyPr rtlCol="0" anchor="ctr"/>
-          <a:lstStyle/>
-          <a:p>
-            <a:pPr algn="ctr"/>
-            <a:r>
-              <a:rPr lang="en-US" sz="2400" dirty="0">
-                <a:solidFill>
-                  <a:schemeClr val="tx1"/>
-                </a:solidFill>
-                <a:latin typeface="Janitor" pitchFamily="2" charset="0"/>
-              </a:rPr>
-              <a:t>Check</a:t>
-            </a:r>
-          </a:p>
-          <a:p>
-            <a:pPr algn="ctr"/>
-            <a:r>
-              <a:rPr lang="en-US" sz="2400" dirty="0">
-                <a:solidFill>
-                  <a:schemeClr val="tx1"/>
-                </a:solidFill>
-                <a:latin typeface="Janitor" pitchFamily="2" charset="0"/>
-              </a:rPr>
-              <a:t>Inventory </a:t>
-            </a:r>
-          </a:p>
-          <a:p>
-            <a:pPr algn="ctr"/>
-            <a:r>
-              <a:rPr lang="en-US" sz="2400" dirty="0">
-                <a:solidFill>
-                  <a:schemeClr val="tx1"/>
-                </a:solidFill>
-                <a:latin typeface="Janitor" pitchFamily="2" charset="0"/>
-              </a:rPr>
-              <a:t>Item</a:t>
-            </a:r>
-          </a:p>
-          <a:p>
-            <a:pPr algn="ctr"/>
-            <a:r>
-              <a:rPr lang="en-US" sz="2400" dirty="0">
-                <a:solidFill>
-                  <a:schemeClr val="tx1"/>
-                </a:solidFill>
-                <a:latin typeface="Janitor" pitchFamily="2" charset="0"/>
-              </a:rPr>
-              <a:t>Out</a:t>
-            </a:r>
-            <a:endParaRPr lang="LID4096" sz="2400" dirty="0">
-              <a:solidFill>
-                <a:schemeClr val="tx1"/>
-              </a:solidFill>
-              <a:latin typeface="Janitor" pitchFamily="2" charset="0"/>
-            </a:endParaRPr>
-          </a:p>
-        </p:txBody>
-      </p:sp>
-      <p:sp>
-        <p:nvSpPr>
-          <p:cNvPr id="24" name="Rectangle 23">
-            <a:extLst>
-              <a:ext uri="{FF2B5EF4-FFF2-40B4-BE49-F238E27FC236}">
-                <a16:creationId xmlns:a16="http://schemas.microsoft.com/office/drawing/2014/main" id="{96AC3E0F-AB6F-434F-A0C3-32B00DF0150A}"/>
-              </a:ext>
-            </a:extLst>
-          </p:cNvPr>
-          <p:cNvSpPr>
-            <a:spLocks noChangeAspect="1"/>
-          </p:cNvSpPr>
-          <p:nvPr/>
-        </p:nvSpPr>
-        <p:spPr>
-          <a:xfrm>
-            <a:off x="10252278" y="4848581"/>
-            <a:ext cx="1764000" cy="1764000"/>
-          </a:xfrm>
-          <a:prstGeom prst="rect">
-            <a:avLst/>
-          </a:prstGeom>
-          <a:solidFill>
-            <a:srgbClr val="FEAA61"/>
-          </a:solidFill>
-          <a:ln>
-            <a:noFill/>
-          </a:ln>
-          <a:effectLst>
-            <a:outerShdw blurRad="50800" dist="38100" dir="2700000" sx="102000" sy="102000" algn="tl" rotWithShape="0">
-              <a:prstClr val="black">
-                <a:alpha val="40000"/>
-              </a:prstClr>
-            </a:outerShdw>
-          </a:effectLst>
-        </p:spPr>
-        <p:style>
-          <a:lnRef idx="2">
-            <a:schemeClr val="accent1">
-              <a:shade val="50000"/>
-            </a:schemeClr>
-          </a:lnRef>
-          <a:fillRef idx="1">
-            <a:schemeClr val="accent1"/>
-          </a:fillRef>
-          <a:effectRef idx="0">
-            <a:schemeClr val="accent1"/>
-          </a:effectRef>
-          <a:fontRef idx="minor">
-            <a:schemeClr val="lt1"/>
-          </a:fontRef>
-        </p:style>
-        <p:txBody>
-          <a:bodyPr rtlCol="0" anchor="ctr"/>
-          <a:lstStyle/>
-          <a:p>
-            <a:pPr algn="ctr"/>
-            <a:r>
-              <a:rPr lang="en-US" sz="2400" dirty="0">
-                <a:solidFill>
-                  <a:schemeClr val="tx1"/>
-                </a:solidFill>
-                <a:latin typeface="Janitor" pitchFamily="2" charset="0"/>
-              </a:rPr>
-              <a:t>Inventory </a:t>
-            </a:r>
-          </a:p>
-          <a:p>
-            <a:pPr algn="ctr"/>
-            <a:r>
-              <a:rPr lang="en-US" sz="2400" dirty="0">
-                <a:solidFill>
-                  <a:schemeClr val="tx1"/>
-                </a:solidFill>
-                <a:latin typeface="Janitor" pitchFamily="2" charset="0"/>
-              </a:rPr>
-              <a:t>Item Checked Out</a:t>
-            </a:r>
-            <a:endParaRPr lang="LID4096" sz="2400" dirty="0">
-              <a:solidFill>
-                <a:schemeClr val="tx1"/>
-              </a:solidFill>
-              <a:latin typeface="Janitor" pitchFamily="2" charset="0"/>
-            </a:endParaRPr>
-          </a:p>
-        </p:txBody>
-      </p:sp>
     </p:spTree>
     <p:extLst>
       <p:ext uri="{BB962C8B-B14F-4D97-AF65-F5344CB8AC3E}">
-        <p14:creationId xmlns:p14="http://schemas.microsoft.com/office/powerpoint/2010/main" val="756184127"/>
+        <p14:creationId xmlns:p14="http://schemas.microsoft.com/office/powerpoint/2010/main" val="113671055"/>
       </p:ext>
     </p:extLst>
   </p:cSld>
@@ -26189,10 +26175,10 @@
       </p:sp>
       <p:pic>
         <p:nvPicPr>
-          <p:cNvPr id="7" name="Picture 6">
-            <a:extLst>
-              <a:ext uri="{FF2B5EF4-FFF2-40B4-BE49-F238E27FC236}">
-                <a16:creationId xmlns:a16="http://schemas.microsoft.com/office/drawing/2014/main" id="{F9489103-E284-46FE-A1C7-E0FA7E5D4C85}"/>
+          <p:cNvPr id="6" name="Picture 5">
+            <a:extLst>
+              <a:ext uri="{FF2B5EF4-FFF2-40B4-BE49-F238E27FC236}">
+                <a16:creationId xmlns:a16="http://schemas.microsoft.com/office/drawing/2014/main" id="{6E9958C6-B1E6-47DA-9B01-5B777888A920}"/>
               </a:ext>
             </a:extLst>
           </p:cNvPr>
@@ -26203,13 +26189,13 @@
         </p:nvPicPr>
         <p:blipFill rotWithShape="1">
           <a:blip r:embed="rId2"/>
-          <a:srcRect t="5152"/>
+          <a:srcRect t="2404"/>
           <a:stretch/>
         </p:blipFill>
         <p:spPr>
           <a:xfrm>
-            <a:off x="1952978" y="84666"/>
-            <a:ext cx="8026400" cy="1558779"/>
+            <a:off x="1952978" y="39510"/>
+            <a:ext cx="8026400" cy="1603935"/>
           </a:xfrm>
           <a:prstGeom prst="rect">
             <a:avLst/>
@@ -26218,10 +26204,10 @@
       </p:pic>
       <p:sp>
         <p:nvSpPr>
-          <p:cNvPr id="8" name="TextBox 7">
-            <a:extLst>
-              <a:ext uri="{FF2B5EF4-FFF2-40B4-BE49-F238E27FC236}">
-                <a16:creationId xmlns:a16="http://schemas.microsoft.com/office/drawing/2014/main" id="{04BDBA53-FE03-4CDA-AB60-2867F1AB6FA1}"/>
+          <p:cNvPr id="7" name="TextBox 6">
+            <a:extLst>
+              <a:ext uri="{FF2B5EF4-FFF2-40B4-BE49-F238E27FC236}">
+                <a16:creationId xmlns:a16="http://schemas.microsoft.com/office/drawing/2014/main" id="{3307A5BC-49E7-4A9D-89B5-DA6E34FD0C96}"/>
               </a:ext>
             </a:extLst>
           </p:cNvPr>
@@ -26230,8 +26216,8 @@
         </p:nvSpPr>
         <p:spPr>
           <a:xfrm>
-            <a:off x="3641362" y="165985"/>
-            <a:ext cx="4808176" cy="1200329"/>
+            <a:off x="4583984" y="165985"/>
+            <a:ext cx="3324949" cy="1200329"/>
           </a:xfrm>
           <a:prstGeom prst="rect">
             <a:avLst/>
@@ -26245,10 +26231,10 @@
           <a:lstStyle/>
           <a:p>
             <a:r>
-              <a:rPr lang="fr-BE" sz="7200" dirty="0" err="1">
+              <a:rPr lang="fr-BE" sz="7200" dirty="0">
                 <a:latin typeface="Janitor" pitchFamily="2" charset="0"/>
               </a:rPr>
-              <a:t>Deactivate</a:t>
+              <a:t>Rename</a:t>
             </a:r>
             <a:endParaRPr lang="LID4096" dirty="0">
               <a:latin typeface="Janitor" pitchFamily="2" charset="0"/>
@@ -26258,10 +26244,10 @@
       </p:sp>
       <p:sp>
         <p:nvSpPr>
-          <p:cNvPr id="6" name="Rectangle 5">
-            <a:extLst>
-              <a:ext uri="{FF2B5EF4-FFF2-40B4-BE49-F238E27FC236}">
-                <a16:creationId xmlns:a16="http://schemas.microsoft.com/office/drawing/2014/main" id="{AC5ADCEE-291A-453C-A79C-9070B061F7B9}"/>
+          <p:cNvPr id="8" name="Rectangle 7">
+            <a:extLst>
+              <a:ext uri="{FF2B5EF4-FFF2-40B4-BE49-F238E27FC236}">
+                <a16:creationId xmlns:a16="http://schemas.microsoft.com/office/drawing/2014/main" id="{9AFCDED1-B3AF-45AE-B27F-652719A1D49E}"/>
               </a:ext>
             </a:extLst>
           </p:cNvPr>
@@ -26346,7 +26332,7 @@
           <p:cNvPr id="9" name="Rectangle 8">
             <a:extLst>
               <a:ext uri="{FF2B5EF4-FFF2-40B4-BE49-F238E27FC236}">
-                <a16:creationId xmlns:a16="http://schemas.microsoft.com/office/drawing/2014/main" id="{679B9552-6EBB-44A1-AA2C-D86A067E0935}"/>
+                <a16:creationId xmlns:a16="http://schemas.microsoft.com/office/drawing/2014/main" id="{56FEF825-772D-4F29-AC49-37E9B164E53C}"/>
               </a:ext>
             </a:extLst>
           </p:cNvPr>
@@ -26403,7 +26389,7 @@
                 </a:solidFill>
                 <a:latin typeface="Janitor" pitchFamily="2" charset="0"/>
               </a:rPr>
-              <a:t>Deactivate</a:t>
+              <a:t>Rename</a:t>
             </a:r>
           </a:p>
           <a:p>
@@ -26443,7 +26429,7 @@
           <p:cNvPr id="10" name="Rectangle 9">
             <a:extLst>
               <a:ext uri="{FF2B5EF4-FFF2-40B4-BE49-F238E27FC236}">
-                <a16:creationId xmlns:a16="http://schemas.microsoft.com/office/drawing/2014/main" id="{B391026A-4692-4038-AFF7-7B9D478B6701}"/>
+                <a16:creationId xmlns:a16="http://schemas.microsoft.com/office/drawing/2014/main" id="{98511ADE-BEB4-4455-84A1-52290B6DAD24}"/>
               </a:ext>
             </a:extLst>
           </p:cNvPr>
@@ -26494,7 +26480,7 @@
           <a:p>
             <a:pPr algn="ctr"/>
             <a:r>
-              <a:rPr lang="en-US" sz="3200" dirty="0">
+              <a:rPr lang="en-US" sz="3600" dirty="0">
                 <a:solidFill>
                   <a:schemeClr val="tx1"/>
                 </a:solidFill>
@@ -26506,15 +26492,15 @@
           <a:p>
             <a:pPr algn="ctr"/>
             <a:r>
-              <a:rPr lang="en-US" sz="3200" dirty="0">
+              <a:rPr lang="en-US" sz="3600" dirty="0">
                 <a:solidFill>
                   <a:schemeClr val="tx1"/>
                 </a:solidFill>
                 <a:latin typeface="Janitor" pitchFamily="2" charset="0"/>
               </a:rPr>
-              <a:t>Item Deactivated</a:t>
-            </a:r>
-            <a:endParaRPr lang="LID4096" sz="3200" dirty="0">
+              <a:t>Item Renamed</a:t>
+            </a:r>
+            <a:endParaRPr lang="LID4096" sz="3600" dirty="0">
               <a:solidFill>
                 <a:schemeClr val="tx1"/>
               </a:solidFill>
@@ -26526,7 +26512,7 @@
     </p:spTree>
     <p:extLst>
       <p:ext uri="{BB962C8B-B14F-4D97-AF65-F5344CB8AC3E}">
-        <p14:creationId xmlns:p14="http://schemas.microsoft.com/office/powerpoint/2010/main" val="3352582173"/>
+        <p14:creationId xmlns:p14="http://schemas.microsoft.com/office/powerpoint/2010/main" val="3278331146"/>
       </p:ext>
     </p:extLst>
   </p:cSld>
@@ -26555,48 +26541,62 @@
       </p:grpSpPr>
       <p:sp>
         <p:nvSpPr>
-          <p:cNvPr id="2" name="Title 1">
-            <a:extLst>
-              <a:ext uri="{FF2B5EF4-FFF2-40B4-BE49-F238E27FC236}">
-                <a16:creationId xmlns:a16="http://schemas.microsoft.com/office/drawing/2014/main" id="{91DB09A4-E55A-4311-AB9A-DFF04C9503F5}"/>
-              </a:ext>
-            </a:extLst>
-          </p:cNvPr>
-          <p:cNvSpPr>
-            <a:spLocks noGrp="1"/>
-          </p:cNvSpPr>
-          <p:nvPr>
-            <p:ph type="title"/>
-          </p:nvPr>
+          <p:cNvPr id="5" name="Rectangle 4">
+            <a:extLst>
+              <a:ext uri="{FF2B5EF4-FFF2-40B4-BE49-F238E27FC236}">
+                <a16:creationId xmlns:a16="http://schemas.microsoft.com/office/drawing/2014/main" id="{37268AE2-965A-485F-93A7-1242CA97CA66}"/>
+              </a:ext>
+            </a:extLst>
+          </p:cNvPr>
+          <p:cNvSpPr/>
+          <p:nvPr/>
         </p:nvSpPr>
         <p:spPr>
           <a:xfrm>
-            <a:off x="838200" y="365125"/>
-            <a:ext cx="10515600" cy="1325563"/>
-          </a:xfrm>
-        </p:spPr>
+            <a:off x="0" y="5823397"/>
+            <a:ext cx="12192000" cy="1034603"/>
+          </a:xfrm>
+          <a:prstGeom prst="rect">
+            <a:avLst/>
+          </a:prstGeom>
+          <a:solidFill>
+            <a:schemeClr val="bg1"/>
+          </a:solidFill>
+          <a:ln>
+            <a:noFill/>
+          </a:ln>
+        </p:spPr>
+        <p:style>
+          <a:lnRef idx="2">
+            <a:schemeClr val="accent1">
+              <a:shade val="50000"/>
+            </a:schemeClr>
+          </a:lnRef>
+          <a:fillRef idx="1">
+            <a:schemeClr val="accent1"/>
+          </a:fillRef>
+          <a:effectRef idx="0">
+            <a:schemeClr val="accent1"/>
+          </a:effectRef>
+          <a:fontRef idx="minor">
+            <a:schemeClr val="lt1"/>
+          </a:fontRef>
+        </p:style>
         <p:txBody>
-          <a:bodyPr/>
+          <a:bodyPr rtlCol="0" anchor="ctr"/>
           <a:lstStyle/>
           <a:p>
-            <a:r>
-              <a:rPr lang="fr-BE" dirty="0" err="1"/>
-              <a:t>Step</a:t>
-            </a:r>
-            <a:r>
-              <a:rPr lang="fr-BE" dirty="0"/>
-              <a:t> 02</a:t>
-            </a:r>
-            <a:endParaRPr lang="LID4096" dirty="0"/>
+            <a:pPr algn="ctr"/>
+            <a:endParaRPr lang="LID4096"/>
           </a:p>
         </p:txBody>
       </p:sp>
       <p:pic>
         <p:nvPicPr>
-          <p:cNvPr id="4" name="Picture 3">
-            <a:extLst>
-              <a:ext uri="{FF2B5EF4-FFF2-40B4-BE49-F238E27FC236}">
-                <a16:creationId xmlns:a16="http://schemas.microsoft.com/office/drawing/2014/main" id="{9F6AD2E4-1291-49FC-B303-F05F86A5A342}"/>
+          <p:cNvPr id="7" name="Picture 6">
+            <a:extLst>
+              <a:ext uri="{FF2B5EF4-FFF2-40B4-BE49-F238E27FC236}">
+                <a16:creationId xmlns:a16="http://schemas.microsoft.com/office/drawing/2014/main" id="{DD795F84-B1FA-4F65-904C-74606853B8D7}"/>
               </a:ext>
             </a:extLst>
           </p:cNvPr>
@@ -26605,26 +26605,647 @@
           </p:cNvPicPr>
           <p:nvPr/>
         </p:nvPicPr>
-        <p:blipFill>
+        <p:blipFill rotWithShape="1">
           <a:blip r:embed="rId2"/>
-          <a:stretch>
-            <a:fillRect/>
-          </a:stretch>
+          <a:srcRect t="3778"/>
+          <a:stretch/>
         </p:blipFill>
         <p:spPr>
           <a:xfrm>
-            <a:off x="1856509" y="1371238"/>
-            <a:ext cx="6908799" cy="3353390"/>
+            <a:off x="3499552" y="74942"/>
+            <a:ext cx="5469466" cy="1077591"/>
           </a:xfrm>
           <a:prstGeom prst="rect">
             <a:avLst/>
           </a:prstGeom>
         </p:spPr>
       </p:pic>
+      <p:sp>
+        <p:nvSpPr>
+          <p:cNvPr id="8" name="TextBox 7">
+            <a:extLst>
+              <a:ext uri="{FF2B5EF4-FFF2-40B4-BE49-F238E27FC236}">
+                <a16:creationId xmlns:a16="http://schemas.microsoft.com/office/drawing/2014/main" id="{35992612-1610-4119-80A2-E642745AE2E8}"/>
+              </a:ext>
+            </a:extLst>
+          </p:cNvPr>
+          <p:cNvSpPr txBox="1"/>
+          <p:nvPr/>
+        </p:nvSpPr>
+        <p:spPr>
+          <a:xfrm>
+            <a:off x="3726673" y="178839"/>
+            <a:ext cx="5119287" cy="769441"/>
+          </a:xfrm>
+          <a:prstGeom prst="rect">
+            <a:avLst/>
+          </a:prstGeom>
+          <a:noFill/>
+        </p:spPr>
+        <p:txBody>
+          <a:bodyPr wrap="none" rtlCol="0">
+            <a:spAutoFit/>
+          </a:bodyPr>
+          <a:lstStyle/>
+          <a:p>
+            <a:r>
+              <a:rPr lang="fr-BE" sz="4400" dirty="0" err="1">
+                <a:latin typeface="Janitor" pitchFamily="2" charset="0"/>
+              </a:rPr>
+              <a:t>Checkin</a:t>
+            </a:r>
+            <a:r>
+              <a:rPr lang="fr-BE" sz="4400" dirty="0">
+                <a:latin typeface="Janitor" pitchFamily="2" charset="0"/>
+              </a:rPr>
+              <a:t> / </a:t>
+            </a:r>
+            <a:r>
+              <a:rPr lang="fr-BE" sz="4400" dirty="0" err="1">
+                <a:latin typeface="Janitor" pitchFamily="2" charset="0"/>
+              </a:rPr>
+              <a:t>Checkout</a:t>
+            </a:r>
+            <a:endParaRPr lang="LID4096" sz="1050" dirty="0">
+              <a:latin typeface="Janitor" pitchFamily="2" charset="0"/>
+            </a:endParaRPr>
+          </a:p>
+        </p:txBody>
+      </p:sp>
+      <p:sp>
+        <p:nvSpPr>
+          <p:cNvPr id="19" name="Rectangle 18">
+            <a:extLst>
+              <a:ext uri="{FF2B5EF4-FFF2-40B4-BE49-F238E27FC236}">
+                <a16:creationId xmlns:a16="http://schemas.microsoft.com/office/drawing/2014/main" id="{741C3C1E-1D1A-4F35-B926-D98877662004}"/>
+              </a:ext>
+            </a:extLst>
+          </p:cNvPr>
+          <p:cNvSpPr>
+            <a:spLocks noChangeAspect="1"/>
+          </p:cNvSpPr>
+          <p:nvPr/>
+        </p:nvSpPr>
+        <p:spPr>
+          <a:xfrm>
+            <a:off x="1015464" y="1184095"/>
+            <a:ext cx="4284000" cy="2520000"/>
+          </a:xfrm>
+          <a:prstGeom prst="rect">
+            <a:avLst/>
+          </a:prstGeom>
+          <a:solidFill>
+            <a:srgbClr val="FFFFCC"/>
+          </a:solidFill>
+          <a:ln>
+            <a:noFill/>
+          </a:ln>
+          <a:effectLst>
+            <a:outerShdw blurRad="50800" dist="38100" dir="2700000" sx="102000" sy="102000" algn="tl" rotWithShape="0">
+              <a:prstClr val="black">
+                <a:alpha val="40000"/>
+              </a:prstClr>
+            </a:outerShdw>
+          </a:effectLst>
+        </p:spPr>
+        <p:style>
+          <a:lnRef idx="2">
+            <a:schemeClr val="accent1">
+              <a:shade val="50000"/>
+            </a:schemeClr>
+          </a:lnRef>
+          <a:fillRef idx="1">
+            <a:schemeClr val="accent1"/>
+          </a:fillRef>
+          <a:effectRef idx="0">
+            <a:schemeClr val="accent1"/>
+          </a:effectRef>
+          <a:fontRef idx="minor">
+            <a:schemeClr val="lt1"/>
+          </a:fontRef>
+        </p:style>
+        <p:txBody>
+          <a:bodyPr rtlCol="0" anchor="ctr"/>
+          <a:lstStyle/>
+          <a:p>
+            <a:pPr algn="ctr"/>
+            <a:r>
+              <a:rPr lang="en-US" sz="4000" dirty="0">
+                <a:solidFill>
+                  <a:schemeClr val="tx1"/>
+                </a:solidFill>
+                <a:latin typeface="Janitor" pitchFamily="2" charset="0"/>
+              </a:rPr>
+              <a:t>Inventory </a:t>
+            </a:r>
+          </a:p>
+          <a:p>
+            <a:pPr algn="ctr"/>
+            <a:r>
+              <a:rPr lang="en-US" sz="4000" dirty="0">
+                <a:solidFill>
+                  <a:schemeClr val="tx1"/>
+                </a:solidFill>
+                <a:latin typeface="Janitor" pitchFamily="2" charset="0"/>
+              </a:rPr>
+              <a:t>Item </a:t>
+            </a:r>
+            <a:endParaRPr lang="LID4096" sz="4000" dirty="0">
+              <a:solidFill>
+                <a:schemeClr val="tx1"/>
+              </a:solidFill>
+              <a:latin typeface="Janitor" pitchFamily="2" charset="0"/>
+            </a:endParaRPr>
+          </a:p>
+        </p:txBody>
+      </p:sp>
+      <p:sp>
+        <p:nvSpPr>
+          <p:cNvPr id="20" name="Rectangle 19">
+            <a:extLst>
+              <a:ext uri="{FF2B5EF4-FFF2-40B4-BE49-F238E27FC236}">
+                <a16:creationId xmlns:a16="http://schemas.microsoft.com/office/drawing/2014/main" id="{B701678E-AFC5-4B7F-A884-BEDA1C5C178F}"/>
+              </a:ext>
+            </a:extLst>
+          </p:cNvPr>
+          <p:cNvSpPr>
+            <a:spLocks noChangeAspect="1"/>
+          </p:cNvSpPr>
+          <p:nvPr/>
+        </p:nvSpPr>
+        <p:spPr>
+          <a:xfrm>
+            <a:off x="133464" y="2765795"/>
+            <a:ext cx="1764000" cy="1764000"/>
+          </a:xfrm>
+          <a:prstGeom prst="rect">
+            <a:avLst/>
+          </a:prstGeom>
+          <a:solidFill>
+            <a:srgbClr val="26BAE0"/>
+          </a:solidFill>
+          <a:ln>
+            <a:noFill/>
+          </a:ln>
+          <a:effectLst>
+            <a:outerShdw blurRad="50800" dist="38100" dir="2700000" sx="102000" sy="102000" algn="tl" rotWithShape="0">
+              <a:prstClr val="black">
+                <a:alpha val="40000"/>
+              </a:prstClr>
+            </a:outerShdw>
+          </a:effectLst>
+        </p:spPr>
+        <p:style>
+          <a:lnRef idx="2">
+            <a:schemeClr val="accent1">
+              <a:shade val="50000"/>
+            </a:schemeClr>
+          </a:lnRef>
+          <a:fillRef idx="1">
+            <a:schemeClr val="accent1"/>
+          </a:fillRef>
+          <a:effectRef idx="0">
+            <a:schemeClr val="accent1"/>
+          </a:effectRef>
+          <a:fontRef idx="minor">
+            <a:schemeClr val="lt1"/>
+          </a:fontRef>
+        </p:style>
+        <p:txBody>
+          <a:bodyPr rtlCol="0" anchor="ctr"/>
+          <a:lstStyle/>
+          <a:p>
+            <a:pPr algn="ctr"/>
+            <a:r>
+              <a:rPr lang="en-US" sz="2400" dirty="0">
+                <a:solidFill>
+                  <a:schemeClr val="tx1"/>
+                </a:solidFill>
+                <a:latin typeface="Janitor" pitchFamily="2" charset="0"/>
+              </a:rPr>
+              <a:t>Check</a:t>
+            </a:r>
+          </a:p>
+          <a:p>
+            <a:pPr algn="ctr"/>
+            <a:r>
+              <a:rPr lang="en-US" sz="2400" dirty="0">
+                <a:solidFill>
+                  <a:schemeClr val="tx1"/>
+                </a:solidFill>
+                <a:latin typeface="Janitor" pitchFamily="2" charset="0"/>
+              </a:rPr>
+              <a:t>Inventory </a:t>
+            </a:r>
+          </a:p>
+          <a:p>
+            <a:pPr algn="ctr"/>
+            <a:r>
+              <a:rPr lang="en-US" sz="2400" dirty="0">
+                <a:solidFill>
+                  <a:schemeClr val="tx1"/>
+                </a:solidFill>
+                <a:latin typeface="Janitor" pitchFamily="2" charset="0"/>
+              </a:rPr>
+              <a:t>Item</a:t>
+            </a:r>
+          </a:p>
+          <a:p>
+            <a:pPr algn="ctr"/>
+            <a:r>
+              <a:rPr lang="en-US" sz="2400" dirty="0">
+                <a:solidFill>
+                  <a:schemeClr val="tx1"/>
+                </a:solidFill>
+                <a:latin typeface="Janitor" pitchFamily="2" charset="0"/>
+              </a:rPr>
+              <a:t>In </a:t>
+            </a:r>
+            <a:endParaRPr lang="LID4096" sz="2400" dirty="0">
+              <a:solidFill>
+                <a:schemeClr val="tx1"/>
+              </a:solidFill>
+              <a:latin typeface="Janitor" pitchFamily="2" charset="0"/>
+            </a:endParaRPr>
+          </a:p>
+        </p:txBody>
+      </p:sp>
+      <p:sp>
+        <p:nvSpPr>
+          <p:cNvPr id="21" name="Rectangle 20">
+            <a:extLst>
+              <a:ext uri="{FF2B5EF4-FFF2-40B4-BE49-F238E27FC236}">
+                <a16:creationId xmlns:a16="http://schemas.microsoft.com/office/drawing/2014/main" id="{0B21D180-52E1-4FB3-95A0-94701FE88EF7}"/>
+              </a:ext>
+            </a:extLst>
+          </p:cNvPr>
+          <p:cNvSpPr>
+            <a:spLocks noChangeAspect="1"/>
+          </p:cNvSpPr>
+          <p:nvPr/>
+        </p:nvSpPr>
+        <p:spPr>
+          <a:xfrm>
+            <a:off x="4417464" y="2765795"/>
+            <a:ext cx="1764000" cy="1764000"/>
+          </a:xfrm>
+          <a:prstGeom prst="rect">
+            <a:avLst/>
+          </a:prstGeom>
+          <a:solidFill>
+            <a:srgbClr val="FEAA61"/>
+          </a:solidFill>
+          <a:ln>
+            <a:noFill/>
+          </a:ln>
+          <a:effectLst>
+            <a:outerShdw blurRad="50800" dist="38100" dir="2700000" sx="102000" sy="102000" algn="tl" rotWithShape="0">
+              <a:prstClr val="black">
+                <a:alpha val="40000"/>
+              </a:prstClr>
+            </a:outerShdw>
+          </a:effectLst>
+        </p:spPr>
+        <p:style>
+          <a:lnRef idx="2">
+            <a:schemeClr val="accent1">
+              <a:shade val="50000"/>
+            </a:schemeClr>
+          </a:lnRef>
+          <a:fillRef idx="1">
+            <a:schemeClr val="accent1"/>
+          </a:fillRef>
+          <a:effectRef idx="0">
+            <a:schemeClr val="accent1"/>
+          </a:effectRef>
+          <a:fontRef idx="minor">
+            <a:schemeClr val="lt1"/>
+          </a:fontRef>
+        </p:style>
+        <p:txBody>
+          <a:bodyPr rtlCol="0" anchor="ctr"/>
+          <a:lstStyle/>
+          <a:p>
+            <a:pPr algn="ctr"/>
+            <a:r>
+              <a:rPr lang="en-US" sz="2400" dirty="0">
+                <a:solidFill>
+                  <a:schemeClr val="tx1"/>
+                </a:solidFill>
+                <a:latin typeface="Janitor" pitchFamily="2" charset="0"/>
+              </a:rPr>
+              <a:t>Inventory </a:t>
+            </a:r>
+          </a:p>
+          <a:p>
+            <a:pPr algn="ctr"/>
+            <a:r>
+              <a:rPr lang="en-US" sz="2400" dirty="0">
+                <a:solidFill>
+                  <a:schemeClr val="tx1"/>
+                </a:solidFill>
+                <a:latin typeface="Janitor" pitchFamily="2" charset="0"/>
+              </a:rPr>
+              <a:t>Item Checked In</a:t>
+            </a:r>
+            <a:endParaRPr lang="LID4096" sz="2400" dirty="0">
+              <a:solidFill>
+                <a:schemeClr val="tx1"/>
+              </a:solidFill>
+              <a:latin typeface="Janitor" pitchFamily="2" charset="0"/>
+            </a:endParaRPr>
+          </a:p>
+        </p:txBody>
+      </p:sp>
+      <p:sp>
+        <p:nvSpPr>
+          <p:cNvPr id="22" name="Rectangle 21">
+            <a:extLst>
+              <a:ext uri="{FF2B5EF4-FFF2-40B4-BE49-F238E27FC236}">
+                <a16:creationId xmlns:a16="http://schemas.microsoft.com/office/drawing/2014/main" id="{283DC7C2-082D-4E60-9285-4F5BDE041D65}"/>
+              </a:ext>
+            </a:extLst>
+          </p:cNvPr>
+          <p:cNvSpPr>
+            <a:spLocks noChangeAspect="1"/>
+          </p:cNvSpPr>
+          <p:nvPr/>
+        </p:nvSpPr>
+        <p:spPr>
+          <a:xfrm>
+            <a:off x="6669972" y="3266881"/>
+            <a:ext cx="4284000" cy="2520000"/>
+          </a:xfrm>
+          <a:prstGeom prst="rect">
+            <a:avLst/>
+          </a:prstGeom>
+          <a:solidFill>
+            <a:srgbClr val="FFFFCC"/>
+          </a:solidFill>
+          <a:ln>
+            <a:noFill/>
+          </a:ln>
+          <a:effectLst>
+            <a:outerShdw blurRad="50800" dist="38100" dir="2700000" sx="102000" sy="102000" algn="tl" rotWithShape="0">
+              <a:prstClr val="black">
+                <a:alpha val="40000"/>
+              </a:prstClr>
+            </a:outerShdw>
+          </a:effectLst>
+        </p:spPr>
+        <p:style>
+          <a:lnRef idx="2">
+            <a:schemeClr val="accent1">
+              <a:shade val="50000"/>
+            </a:schemeClr>
+          </a:lnRef>
+          <a:fillRef idx="1">
+            <a:schemeClr val="accent1"/>
+          </a:fillRef>
+          <a:effectRef idx="0">
+            <a:schemeClr val="accent1"/>
+          </a:effectRef>
+          <a:fontRef idx="minor">
+            <a:schemeClr val="lt1"/>
+          </a:fontRef>
+        </p:style>
+        <p:txBody>
+          <a:bodyPr rtlCol="0" anchor="ctr"/>
+          <a:lstStyle/>
+          <a:p>
+            <a:pPr algn="ctr"/>
+            <a:r>
+              <a:rPr lang="en-US" sz="4000" dirty="0">
+                <a:solidFill>
+                  <a:schemeClr val="tx1"/>
+                </a:solidFill>
+                <a:latin typeface="Janitor" pitchFamily="2" charset="0"/>
+              </a:rPr>
+              <a:t>Inventory </a:t>
+            </a:r>
+          </a:p>
+          <a:p>
+            <a:pPr algn="ctr"/>
+            <a:r>
+              <a:rPr lang="en-US" sz="4000" dirty="0">
+                <a:solidFill>
+                  <a:schemeClr val="tx1"/>
+                </a:solidFill>
+                <a:latin typeface="Janitor" pitchFamily="2" charset="0"/>
+              </a:rPr>
+              <a:t>Item </a:t>
+            </a:r>
+            <a:endParaRPr lang="LID4096" sz="4000" dirty="0">
+              <a:solidFill>
+                <a:schemeClr val="tx1"/>
+              </a:solidFill>
+              <a:latin typeface="Janitor" pitchFamily="2" charset="0"/>
+            </a:endParaRPr>
+          </a:p>
+        </p:txBody>
+      </p:sp>
+      <p:sp>
+        <p:nvSpPr>
+          <p:cNvPr id="23" name="Rectangle 22">
+            <a:extLst>
+              <a:ext uri="{FF2B5EF4-FFF2-40B4-BE49-F238E27FC236}">
+                <a16:creationId xmlns:a16="http://schemas.microsoft.com/office/drawing/2014/main" id="{22448882-A211-4F53-B0AC-A0BFCBA43187}"/>
+              </a:ext>
+            </a:extLst>
+          </p:cNvPr>
+          <p:cNvSpPr>
+            <a:spLocks noChangeAspect="1"/>
+          </p:cNvSpPr>
+          <p:nvPr/>
+        </p:nvSpPr>
+        <p:spPr>
+          <a:xfrm>
+            <a:off x="5787972" y="4848581"/>
+            <a:ext cx="1764000" cy="1764000"/>
+          </a:xfrm>
+          <a:prstGeom prst="rect">
+            <a:avLst/>
+          </a:prstGeom>
+          <a:solidFill>
+            <a:srgbClr val="26BAE0"/>
+          </a:solidFill>
+          <a:ln>
+            <a:noFill/>
+          </a:ln>
+          <a:effectLst>
+            <a:outerShdw blurRad="50800" dist="38100" dir="2700000" sx="102000" sy="102000" algn="tl" rotWithShape="0">
+              <a:prstClr val="black">
+                <a:alpha val="40000"/>
+              </a:prstClr>
+            </a:outerShdw>
+          </a:effectLst>
+        </p:spPr>
+        <p:style>
+          <a:lnRef idx="2">
+            <a:schemeClr val="accent1">
+              <a:shade val="50000"/>
+            </a:schemeClr>
+          </a:lnRef>
+          <a:fillRef idx="1">
+            <a:schemeClr val="accent1"/>
+          </a:fillRef>
+          <a:effectRef idx="0">
+            <a:schemeClr val="accent1"/>
+          </a:effectRef>
+          <a:fontRef idx="minor">
+            <a:schemeClr val="lt1"/>
+          </a:fontRef>
+        </p:style>
+        <p:txBody>
+          <a:bodyPr rtlCol="0" anchor="ctr"/>
+          <a:lstStyle/>
+          <a:p>
+            <a:pPr algn="ctr"/>
+            <a:r>
+              <a:rPr lang="en-US" sz="2400" dirty="0">
+                <a:solidFill>
+                  <a:schemeClr val="tx1"/>
+                </a:solidFill>
+                <a:latin typeface="Janitor" pitchFamily="2" charset="0"/>
+              </a:rPr>
+              <a:t>Check</a:t>
+            </a:r>
+          </a:p>
+          <a:p>
+            <a:pPr algn="ctr"/>
+            <a:r>
+              <a:rPr lang="en-US" sz="2400" dirty="0">
+                <a:solidFill>
+                  <a:schemeClr val="tx1"/>
+                </a:solidFill>
+                <a:latin typeface="Janitor" pitchFamily="2" charset="0"/>
+              </a:rPr>
+              <a:t>Inventory </a:t>
+            </a:r>
+          </a:p>
+          <a:p>
+            <a:pPr algn="ctr"/>
+            <a:r>
+              <a:rPr lang="en-US" sz="2400" dirty="0">
+                <a:solidFill>
+                  <a:schemeClr val="tx1"/>
+                </a:solidFill>
+                <a:latin typeface="Janitor" pitchFamily="2" charset="0"/>
+              </a:rPr>
+              <a:t>Item</a:t>
+            </a:r>
+          </a:p>
+          <a:p>
+            <a:pPr algn="ctr"/>
+            <a:r>
+              <a:rPr lang="en-US" sz="2400" dirty="0">
+                <a:solidFill>
+                  <a:schemeClr val="tx1"/>
+                </a:solidFill>
+                <a:latin typeface="Janitor" pitchFamily="2" charset="0"/>
+              </a:rPr>
+              <a:t>Out</a:t>
+            </a:r>
+            <a:endParaRPr lang="LID4096" sz="2400" dirty="0">
+              <a:solidFill>
+                <a:schemeClr val="tx1"/>
+              </a:solidFill>
+              <a:latin typeface="Janitor" pitchFamily="2" charset="0"/>
+            </a:endParaRPr>
+          </a:p>
+        </p:txBody>
+      </p:sp>
+      <p:sp>
+        <p:nvSpPr>
+          <p:cNvPr id="24" name="Rectangle 23">
+            <a:extLst>
+              <a:ext uri="{FF2B5EF4-FFF2-40B4-BE49-F238E27FC236}">
+                <a16:creationId xmlns:a16="http://schemas.microsoft.com/office/drawing/2014/main" id="{96AC3E0F-AB6F-434F-A0C3-32B00DF0150A}"/>
+              </a:ext>
+            </a:extLst>
+          </p:cNvPr>
+          <p:cNvSpPr>
+            <a:spLocks noChangeAspect="1"/>
+          </p:cNvSpPr>
+          <p:nvPr/>
+        </p:nvSpPr>
+        <p:spPr>
+          <a:xfrm>
+            <a:off x="10071972" y="4848581"/>
+            <a:ext cx="1764000" cy="1764000"/>
+          </a:xfrm>
+          <a:prstGeom prst="rect">
+            <a:avLst/>
+          </a:prstGeom>
+          <a:solidFill>
+            <a:srgbClr val="FEAA61"/>
+          </a:solidFill>
+          <a:ln>
+            <a:noFill/>
+          </a:ln>
+          <a:effectLst>
+            <a:outerShdw blurRad="50800" dist="38100" dir="2700000" sx="102000" sy="102000" algn="tl" rotWithShape="0">
+              <a:prstClr val="black">
+                <a:alpha val="40000"/>
+              </a:prstClr>
+            </a:outerShdw>
+          </a:effectLst>
+        </p:spPr>
+        <p:style>
+          <a:lnRef idx="2">
+            <a:schemeClr val="accent1">
+              <a:shade val="50000"/>
+            </a:schemeClr>
+          </a:lnRef>
+          <a:fillRef idx="1">
+            <a:schemeClr val="accent1"/>
+          </a:fillRef>
+          <a:effectRef idx="0">
+            <a:schemeClr val="accent1"/>
+          </a:effectRef>
+          <a:fontRef idx="minor">
+            <a:schemeClr val="lt1"/>
+          </a:fontRef>
+        </p:style>
+        <p:txBody>
+          <a:bodyPr rtlCol="0" anchor="ctr"/>
+          <a:lstStyle/>
+          <a:p>
+            <a:pPr algn="ctr"/>
+            <a:r>
+              <a:rPr lang="en-US" sz="2400" dirty="0">
+                <a:solidFill>
+                  <a:schemeClr val="tx1"/>
+                </a:solidFill>
+                <a:latin typeface="Janitor" pitchFamily="2" charset="0"/>
+              </a:rPr>
+              <a:t>Inventory </a:t>
+            </a:r>
+          </a:p>
+          <a:p>
+            <a:pPr algn="ctr"/>
+            <a:r>
+              <a:rPr lang="en-US" sz="2400" dirty="0">
+                <a:solidFill>
+                  <a:schemeClr val="tx1"/>
+                </a:solidFill>
+                <a:latin typeface="Janitor" pitchFamily="2" charset="0"/>
+              </a:rPr>
+              <a:t>Item Checked Out</a:t>
+            </a:r>
+            <a:endParaRPr lang="LID4096" sz="2400" dirty="0">
+              <a:solidFill>
+                <a:schemeClr val="tx1"/>
+              </a:solidFill>
+              <a:latin typeface="Janitor" pitchFamily="2" charset="0"/>
+            </a:endParaRPr>
+          </a:p>
+        </p:txBody>
+      </p:sp>
     </p:spTree>
     <p:extLst>
       <p:ext uri="{BB962C8B-B14F-4D97-AF65-F5344CB8AC3E}">
-        <p14:creationId xmlns:p14="http://schemas.microsoft.com/office/powerpoint/2010/main" val="3630075739"/>
+        <p14:creationId xmlns:p14="http://schemas.microsoft.com/office/powerpoint/2010/main" val="756184127"/>
       </p:ext>
     </p:extLst>
   </p:cSld>
@@ -26653,39 +27274,62 @@
       </p:grpSpPr>
       <p:sp>
         <p:nvSpPr>
-          <p:cNvPr id="2" name="Title 1">
-            <a:extLst>
-              <a:ext uri="{FF2B5EF4-FFF2-40B4-BE49-F238E27FC236}">
-                <a16:creationId xmlns:a16="http://schemas.microsoft.com/office/drawing/2014/main" id="{6F9E3AA6-2FAC-46DA-957A-834F0481F5E4}"/>
-              </a:ext>
-            </a:extLst>
-          </p:cNvPr>
-          <p:cNvSpPr>
-            <a:spLocks noGrp="1"/>
-          </p:cNvSpPr>
-          <p:nvPr>
-            <p:ph type="title"/>
-          </p:nvPr>
+          <p:cNvPr id="5" name="Rectangle 4">
+            <a:extLst>
+              <a:ext uri="{FF2B5EF4-FFF2-40B4-BE49-F238E27FC236}">
+                <a16:creationId xmlns:a16="http://schemas.microsoft.com/office/drawing/2014/main" id="{37268AE2-965A-485F-93A7-1242CA97CA66}"/>
+              </a:ext>
+            </a:extLst>
+          </p:cNvPr>
+          <p:cNvSpPr/>
+          <p:nvPr/>
         </p:nvSpPr>
-        <p:spPr/>
+        <p:spPr>
+          <a:xfrm>
+            <a:off x="0" y="5823397"/>
+            <a:ext cx="12192000" cy="1034603"/>
+          </a:xfrm>
+          <a:prstGeom prst="rect">
+            <a:avLst/>
+          </a:prstGeom>
+          <a:solidFill>
+            <a:schemeClr val="bg1"/>
+          </a:solidFill>
+          <a:ln>
+            <a:noFill/>
+          </a:ln>
+        </p:spPr>
+        <p:style>
+          <a:lnRef idx="2">
+            <a:schemeClr val="accent1">
+              <a:shade val="50000"/>
+            </a:schemeClr>
+          </a:lnRef>
+          <a:fillRef idx="1">
+            <a:schemeClr val="accent1"/>
+          </a:fillRef>
+          <a:effectRef idx="0">
+            <a:schemeClr val="accent1"/>
+          </a:effectRef>
+          <a:fontRef idx="minor">
+            <a:schemeClr val="lt1"/>
+          </a:fontRef>
+        </p:style>
         <p:txBody>
-          <a:bodyPr/>
+          <a:bodyPr rtlCol="0" anchor="ctr"/>
           <a:lstStyle/>
           <a:p>
-            <a:r>
-              <a:rPr lang="en-US" dirty="0"/>
-              <a:t>Step 03</a:t>
-            </a:r>
-            <a:endParaRPr lang="LID4096" dirty="0"/>
+            <a:pPr algn="ctr"/>
+            <a:endParaRPr lang="LID4096"/>
           </a:p>
         </p:txBody>
       </p:sp>
       <p:pic>
         <p:nvPicPr>
-          <p:cNvPr id="5" name="Picture 4">
-            <a:extLst>
-              <a:ext uri="{FF2B5EF4-FFF2-40B4-BE49-F238E27FC236}">
-                <a16:creationId xmlns:a16="http://schemas.microsoft.com/office/drawing/2014/main" id="{9711B850-F835-4EC9-BC6D-71BC2BAA1AF3}"/>
+          <p:cNvPr id="7" name="Picture 6">
+            <a:extLst>
+              <a:ext uri="{FF2B5EF4-FFF2-40B4-BE49-F238E27FC236}">
+                <a16:creationId xmlns:a16="http://schemas.microsoft.com/office/drawing/2014/main" id="{F9489103-E284-46FE-A1C7-E0FA7E5D4C85}"/>
               </a:ext>
             </a:extLst>
           </p:cNvPr>
@@ -26694,26 +27338,332 @@
           </p:cNvPicPr>
           <p:nvPr/>
         </p:nvPicPr>
-        <p:blipFill>
+        <p:blipFill rotWithShape="1">
           <a:blip r:embed="rId2"/>
-          <a:stretch>
-            <a:fillRect/>
-          </a:stretch>
+          <a:srcRect t="5152"/>
+          <a:stretch/>
         </p:blipFill>
         <p:spPr>
           <a:xfrm>
-            <a:off x="234543" y="2416966"/>
-            <a:ext cx="11722913" cy="2024067"/>
+            <a:off x="1952978" y="84666"/>
+            <a:ext cx="8026400" cy="1558779"/>
           </a:xfrm>
           <a:prstGeom prst="rect">
             <a:avLst/>
           </a:prstGeom>
         </p:spPr>
       </p:pic>
+      <p:sp>
+        <p:nvSpPr>
+          <p:cNvPr id="8" name="TextBox 7">
+            <a:extLst>
+              <a:ext uri="{FF2B5EF4-FFF2-40B4-BE49-F238E27FC236}">
+                <a16:creationId xmlns:a16="http://schemas.microsoft.com/office/drawing/2014/main" id="{04BDBA53-FE03-4CDA-AB60-2867F1AB6FA1}"/>
+              </a:ext>
+            </a:extLst>
+          </p:cNvPr>
+          <p:cNvSpPr txBox="1"/>
+          <p:nvPr/>
+        </p:nvSpPr>
+        <p:spPr>
+          <a:xfrm>
+            <a:off x="3641362" y="165985"/>
+            <a:ext cx="4808176" cy="1200329"/>
+          </a:xfrm>
+          <a:prstGeom prst="rect">
+            <a:avLst/>
+          </a:prstGeom>
+          <a:noFill/>
+        </p:spPr>
+        <p:txBody>
+          <a:bodyPr wrap="none" rtlCol="0">
+            <a:spAutoFit/>
+          </a:bodyPr>
+          <a:lstStyle/>
+          <a:p>
+            <a:r>
+              <a:rPr lang="fr-BE" sz="7200" dirty="0" err="1">
+                <a:latin typeface="Janitor" pitchFamily="2" charset="0"/>
+              </a:rPr>
+              <a:t>Deactivate</a:t>
+            </a:r>
+            <a:endParaRPr lang="LID4096" dirty="0">
+              <a:latin typeface="Janitor" pitchFamily="2" charset="0"/>
+            </a:endParaRPr>
+          </a:p>
+        </p:txBody>
+      </p:sp>
+      <p:sp>
+        <p:nvSpPr>
+          <p:cNvPr id="6" name="Rectangle 5">
+            <a:extLst>
+              <a:ext uri="{FF2B5EF4-FFF2-40B4-BE49-F238E27FC236}">
+                <a16:creationId xmlns:a16="http://schemas.microsoft.com/office/drawing/2014/main" id="{AC5ADCEE-291A-453C-A79C-9070B061F7B9}"/>
+              </a:ext>
+            </a:extLst>
+          </p:cNvPr>
+          <p:cNvSpPr/>
+          <p:nvPr/>
+        </p:nvSpPr>
+        <p:spPr>
+          <a:xfrm>
+            <a:off x="3062880" y="1838845"/>
+            <a:ext cx="6120000" cy="3600000"/>
+          </a:xfrm>
+          <a:prstGeom prst="rect">
+            <a:avLst/>
+          </a:prstGeom>
+          <a:solidFill>
+            <a:srgbClr val="FFFFCC"/>
+          </a:solidFill>
+          <a:ln>
+            <a:noFill/>
+          </a:ln>
+          <a:effectLst>
+            <a:outerShdw blurRad="50800" dist="38100" dir="2700000" sx="102000" sy="102000" algn="tl" rotWithShape="0">
+              <a:prstClr val="black">
+                <a:alpha val="40000"/>
+              </a:prstClr>
+            </a:outerShdw>
+          </a:effectLst>
+        </p:spPr>
+        <p:style>
+          <a:lnRef idx="2">
+            <a:schemeClr val="accent1">
+              <a:shade val="50000"/>
+            </a:schemeClr>
+          </a:lnRef>
+          <a:fillRef idx="1">
+            <a:schemeClr val="accent1"/>
+          </a:fillRef>
+          <a:effectRef idx="0">
+            <a:schemeClr val="accent1"/>
+          </a:effectRef>
+          <a:fontRef idx="minor">
+            <a:schemeClr val="lt1"/>
+          </a:fontRef>
+        </p:style>
+        <p:txBody>
+          <a:bodyPr rtlCol="0" anchor="ctr"/>
+          <a:lstStyle/>
+          <a:p>
+            <a:pPr algn="ctr"/>
+            <a:r>
+              <a:rPr lang="en-US" sz="5400" dirty="0">
+                <a:solidFill>
+                  <a:schemeClr val="tx1"/>
+                </a:solidFill>
+                <a:latin typeface="Janitor" pitchFamily="2" charset="0"/>
+              </a:rPr>
+              <a:t>Inventory </a:t>
+            </a:r>
+          </a:p>
+          <a:p>
+            <a:pPr algn="ctr"/>
+            <a:r>
+              <a:rPr lang="en-US" sz="5400" dirty="0">
+                <a:solidFill>
+                  <a:schemeClr val="tx1"/>
+                </a:solidFill>
+                <a:latin typeface="Janitor" pitchFamily="2" charset="0"/>
+              </a:rPr>
+              <a:t>Item </a:t>
+            </a:r>
+            <a:endParaRPr lang="LID4096" sz="5400" dirty="0">
+              <a:solidFill>
+                <a:schemeClr val="tx1"/>
+              </a:solidFill>
+              <a:latin typeface="Janitor" pitchFamily="2" charset="0"/>
+            </a:endParaRPr>
+          </a:p>
+        </p:txBody>
+      </p:sp>
+      <p:sp>
+        <p:nvSpPr>
+          <p:cNvPr id="9" name="Rectangle 8">
+            <a:extLst>
+              <a:ext uri="{FF2B5EF4-FFF2-40B4-BE49-F238E27FC236}">
+                <a16:creationId xmlns:a16="http://schemas.microsoft.com/office/drawing/2014/main" id="{679B9552-6EBB-44A1-AA2C-D86A067E0935}"/>
+              </a:ext>
+            </a:extLst>
+          </p:cNvPr>
+          <p:cNvSpPr/>
+          <p:nvPr/>
+        </p:nvSpPr>
+        <p:spPr>
+          <a:xfrm>
+            <a:off x="1515491" y="3738675"/>
+            <a:ext cx="2520000" cy="2520000"/>
+          </a:xfrm>
+          <a:prstGeom prst="rect">
+            <a:avLst/>
+          </a:prstGeom>
+          <a:solidFill>
+            <a:srgbClr val="26BAE0"/>
+          </a:solidFill>
+          <a:ln>
+            <a:noFill/>
+          </a:ln>
+          <a:effectLst>
+            <a:outerShdw blurRad="50800" dist="38100" dir="2700000" sx="102000" sy="102000" algn="tl" rotWithShape="0">
+              <a:prstClr val="black">
+                <a:alpha val="40000"/>
+              </a:prstClr>
+            </a:outerShdw>
+          </a:effectLst>
+        </p:spPr>
+        <p:style>
+          <a:lnRef idx="2">
+            <a:schemeClr val="accent1">
+              <a:shade val="50000"/>
+            </a:schemeClr>
+          </a:lnRef>
+          <a:fillRef idx="1">
+            <a:schemeClr val="accent1"/>
+          </a:fillRef>
+          <a:effectRef idx="0">
+            <a:schemeClr val="accent1"/>
+          </a:effectRef>
+          <a:fontRef idx="minor">
+            <a:schemeClr val="lt1"/>
+          </a:fontRef>
+        </p:style>
+        <p:txBody>
+          <a:bodyPr rtlCol="0" anchor="ctr"/>
+          <a:lstStyle/>
+          <a:p>
+            <a:pPr algn="ctr"/>
+            <a:r>
+              <a:rPr lang="en-US" sz="3600" dirty="0">
+                <a:solidFill>
+                  <a:schemeClr val="tx1"/>
+                </a:solidFill>
+                <a:latin typeface="Janitor" pitchFamily="2" charset="0"/>
+              </a:rPr>
+              <a:t>Deactivate</a:t>
+            </a:r>
+          </a:p>
+          <a:p>
+            <a:pPr algn="ctr"/>
+            <a:r>
+              <a:rPr lang="en-US" sz="3600" dirty="0">
+                <a:solidFill>
+                  <a:schemeClr val="tx1"/>
+                </a:solidFill>
+                <a:latin typeface="Janitor" pitchFamily="2" charset="0"/>
+              </a:rPr>
+              <a:t>Inventory </a:t>
+            </a:r>
+          </a:p>
+          <a:p>
+            <a:pPr algn="ctr"/>
+            <a:r>
+              <a:rPr lang="en-US" sz="3600" dirty="0">
+                <a:solidFill>
+                  <a:schemeClr val="tx1"/>
+                </a:solidFill>
+                <a:latin typeface="Janitor" pitchFamily="2" charset="0"/>
+              </a:rPr>
+              <a:t>Item </a:t>
+            </a:r>
+            <a:endParaRPr lang="LID4096" sz="3600" dirty="0">
+              <a:solidFill>
+                <a:schemeClr val="tx1"/>
+              </a:solidFill>
+              <a:latin typeface="Janitor" pitchFamily="2" charset="0"/>
+            </a:endParaRPr>
+          </a:p>
+        </p:txBody>
+      </p:sp>
+      <p:sp>
+        <p:nvSpPr>
+          <p:cNvPr id="10" name="Rectangle 9">
+            <a:extLst>
+              <a:ext uri="{FF2B5EF4-FFF2-40B4-BE49-F238E27FC236}">
+                <a16:creationId xmlns:a16="http://schemas.microsoft.com/office/drawing/2014/main" id="{B391026A-4692-4038-AFF7-7B9D478B6701}"/>
+              </a:ext>
+            </a:extLst>
+          </p:cNvPr>
+          <p:cNvSpPr/>
+          <p:nvPr/>
+        </p:nvSpPr>
+        <p:spPr>
+          <a:xfrm>
+            <a:off x="8358973" y="3874923"/>
+            <a:ext cx="2520000" cy="2520000"/>
+          </a:xfrm>
+          <a:prstGeom prst="rect">
+            <a:avLst/>
+          </a:prstGeom>
+          <a:solidFill>
+            <a:srgbClr val="FEAA61"/>
+          </a:solidFill>
+          <a:ln>
+            <a:noFill/>
+          </a:ln>
+          <a:effectLst>
+            <a:outerShdw blurRad="50800" dist="38100" dir="2700000" sx="102000" sy="102000" algn="tl" rotWithShape="0">
+              <a:prstClr val="black">
+                <a:alpha val="40000"/>
+              </a:prstClr>
+            </a:outerShdw>
+          </a:effectLst>
+        </p:spPr>
+        <p:style>
+          <a:lnRef idx="2">
+            <a:schemeClr val="accent1">
+              <a:shade val="50000"/>
+            </a:schemeClr>
+          </a:lnRef>
+          <a:fillRef idx="1">
+            <a:schemeClr val="accent1"/>
+          </a:fillRef>
+          <a:effectRef idx="0">
+            <a:schemeClr val="accent1"/>
+          </a:effectRef>
+          <a:fontRef idx="minor">
+            <a:schemeClr val="lt1"/>
+          </a:fontRef>
+        </p:style>
+        <p:txBody>
+          <a:bodyPr rtlCol="0" anchor="ctr"/>
+          <a:lstStyle/>
+          <a:p>
+            <a:pPr algn="ctr"/>
+            <a:r>
+              <a:rPr lang="en-US" sz="3200" dirty="0">
+                <a:solidFill>
+                  <a:schemeClr val="tx1"/>
+                </a:solidFill>
+                <a:latin typeface="Janitor" pitchFamily="2" charset="0"/>
+              </a:rPr>
+              <a:t>Inventory </a:t>
+            </a:r>
+          </a:p>
+          <a:p>
+            <a:pPr algn="ctr"/>
+            <a:r>
+              <a:rPr lang="en-US" sz="3200" dirty="0">
+                <a:solidFill>
+                  <a:schemeClr val="tx1"/>
+                </a:solidFill>
+                <a:latin typeface="Janitor" pitchFamily="2" charset="0"/>
+              </a:rPr>
+              <a:t>Item Deactivated</a:t>
+            </a:r>
+            <a:endParaRPr lang="LID4096" sz="3200" dirty="0">
+              <a:solidFill>
+                <a:schemeClr val="tx1"/>
+              </a:solidFill>
+              <a:latin typeface="Janitor" pitchFamily="2" charset="0"/>
+            </a:endParaRPr>
+          </a:p>
+        </p:txBody>
+      </p:sp>
     </p:spTree>
     <p:extLst>
       <p:ext uri="{BB962C8B-B14F-4D97-AF65-F5344CB8AC3E}">
-        <p14:creationId xmlns:p14="http://schemas.microsoft.com/office/powerpoint/2010/main" val="870368706"/>
+        <p14:creationId xmlns:p14="http://schemas.microsoft.com/office/powerpoint/2010/main" val="3352582173"/>
       </p:ext>
     </p:extLst>
   </p:cSld>
@@ -27609,6 +28559,29 @@
 </file>
 
 <file path=customXml/item1.xml><?xml version="1.0" encoding="utf-8"?>
+<?mso-contentType ?>
+<FormTemplates xmlns="http://schemas.microsoft.com/sharepoint/v3/contenttype/forms">
+  <Display>DocumentLibraryForm</Display>
+  <Edit>DocumentLibraryForm</Edit>
+  <New>DocumentLibraryForm</New>
+</FormTemplates>
+</file>
+
+<file path=customXml/item2.xml><?xml version="1.0" encoding="utf-8"?>
+<p:properties xmlns:p="http://schemas.microsoft.com/office/2006/metadata/properties" xmlns:xsi="http://www.w3.org/2001/XMLSchema-instance" xmlns:pc="http://schemas.microsoft.com/office/infopath/2007/PartnerControls">
+  <documentManagement>
+    <Employe xmlns="d0839297-3c7f-4291-943e-92282c99647b">
+      <UserInfo>
+        <DisplayName/>
+        <AccountId xsi:nil="true"/>
+        <AccountType/>
+      </UserInfo>
+    </Employe>
+  </documentManagement>
+</p:properties>
+</file>
+
+<file path=customXml/item3.xml><?xml version="1.0" encoding="utf-8"?>
 <ct:contentTypeSchema xmlns:ct="http://schemas.microsoft.com/office/2006/metadata/contentType" xmlns:ma="http://schemas.microsoft.com/office/2006/metadata/properties/metaAttributes" ct:_="" ma:_="" ma:contentTypeName="Document" ma:contentTypeID="0x01010061A68AD91859CF4E870E142AB1F9E698" ma:contentTypeVersion="10" ma:contentTypeDescription="Create a new document." ma:contentTypeScope="" ma:versionID="8edddf56e4056cf906ac0e993773d3fc">
   <xsd:schema xmlns:xsd="http://www.w3.org/2001/XMLSchema" xmlns:xs="http://www.w3.org/2001/XMLSchema" xmlns:p="http://schemas.microsoft.com/office/2006/metadata/properties" xmlns:ns2="d0839297-3c7f-4291-943e-92282c99647b" xmlns:ns3="a42604d6-3119-4d11-8090-fb65a5a72362" xmlns:ns4="e7bc9a5a-bfd7-4492-bb28-42fa52b63e0a" targetNamespace="http://schemas.microsoft.com/office/2006/metadata/properties" ma:root="true" ma:fieldsID="361d17264dadc57798baae7704fd9378" ns2:_="" ns3:_="" ns4:_="">
     <xsd:import namespace="d0839297-3c7f-4291-943e-92282c99647b"/>
@@ -27838,45 +28811,10 @@
 </ct:contentTypeSchema>
 </file>
 
-<file path=customXml/item2.xml><?xml version="1.0" encoding="utf-8"?>
-<p:properties xmlns:p="http://schemas.microsoft.com/office/2006/metadata/properties" xmlns:xsi="http://www.w3.org/2001/XMLSchema-instance" xmlns:pc="http://schemas.microsoft.com/office/infopath/2007/PartnerControls">
-  <documentManagement>
-    <Employe xmlns="d0839297-3c7f-4291-943e-92282c99647b">
-      <UserInfo>
-        <DisplayName/>
-        <AccountId xsi:nil="true"/>
-        <AccountType/>
-      </UserInfo>
-    </Employe>
-  </documentManagement>
-</p:properties>
-</file>
-
-<file path=customXml/item3.xml><?xml version="1.0" encoding="utf-8"?>
-<?mso-contentType ?>
-<FormTemplates xmlns="http://schemas.microsoft.com/sharepoint/v3/contenttype/forms">
-  <Display>DocumentLibraryForm</Display>
-  <Edit>DocumentLibraryForm</Edit>
-  <New>DocumentLibraryForm</New>
-</FormTemplates>
-</file>
-
 <file path=customXml/itemProps1.xml><?xml version="1.0" encoding="utf-8"?>
-<ds:datastoreItem xmlns:ds="http://schemas.openxmlformats.org/officeDocument/2006/customXml" ds:itemID="{EA5D4E69-E330-42CF-BBB7-BE14CB5F2B25}">
+<ds:datastoreItem xmlns:ds="http://schemas.openxmlformats.org/officeDocument/2006/customXml" ds:itemID="{C9EA0F7D-7CDB-4983-8726-2E9978D50476}">
   <ds:schemaRefs>
-    <ds:schemaRef ds:uri="http://schemas.microsoft.com/office/2006/metadata/contentType"/>
-    <ds:schemaRef ds:uri="http://schemas.microsoft.com/office/2006/metadata/properties/metaAttributes"/>
-    <ds:schemaRef ds:uri="http://www.w3.org/2001/XMLSchema"/>
-    <ds:schemaRef ds:uri="http://schemas.microsoft.com/office/2006/metadata/properties"/>
-    <ds:schemaRef ds:uri="d0839297-3c7f-4291-943e-92282c99647b"/>
-    <ds:schemaRef ds:uri="a42604d6-3119-4d11-8090-fb65a5a72362"/>
-    <ds:schemaRef ds:uri="e7bc9a5a-bfd7-4492-bb28-42fa52b63e0a"/>
-    <ds:schemaRef ds:uri="http://schemas.microsoft.com/office/2006/documentManagement/types"/>
-    <ds:schemaRef ds:uri="http://schemas.microsoft.com/office/infopath/2007/PartnerControls"/>
-    <ds:schemaRef ds:uri="http://schemas.openxmlformats.org/package/2006/metadata/core-properties"/>
-    <ds:schemaRef ds:uri="http://purl.org/dc/elements/1.1/"/>
-    <ds:schemaRef ds:uri="http://purl.org/dc/terms/"/>
-    <ds:schemaRef ds:uri="http://schemas.microsoft.com/internal/obd"/>
+    <ds:schemaRef ds:uri="http://schemas.microsoft.com/sharepoint/v3/contenttype/forms"/>
   </ds:schemaRefs>
 </ds:datastoreItem>
 </file>
@@ -27900,9 +28838,21 @@
 </file>
 
 <file path=customXml/itemProps3.xml><?xml version="1.0" encoding="utf-8"?>
-<ds:datastoreItem xmlns:ds="http://schemas.openxmlformats.org/officeDocument/2006/customXml" ds:itemID="{C9EA0F7D-7CDB-4983-8726-2E9978D50476}">
+<ds:datastoreItem xmlns:ds="http://schemas.openxmlformats.org/officeDocument/2006/customXml" ds:itemID="{EA5D4E69-E330-42CF-BBB7-BE14CB5F2B25}">
   <ds:schemaRefs>
-    <ds:schemaRef ds:uri="http://schemas.microsoft.com/sharepoint/v3/contenttype/forms"/>
+    <ds:schemaRef ds:uri="http://schemas.microsoft.com/office/2006/metadata/contentType"/>
+    <ds:schemaRef ds:uri="http://schemas.microsoft.com/office/2006/metadata/properties/metaAttributes"/>
+    <ds:schemaRef ds:uri="http://www.w3.org/2001/XMLSchema"/>
+    <ds:schemaRef ds:uri="http://schemas.microsoft.com/office/2006/metadata/properties"/>
+    <ds:schemaRef ds:uri="d0839297-3c7f-4291-943e-92282c99647b"/>
+    <ds:schemaRef ds:uri="a42604d6-3119-4d11-8090-fb65a5a72362"/>
+    <ds:schemaRef ds:uri="e7bc9a5a-bfd7-4492-bb28-42fa52b63e0a"/>
+    <ds:schemaRef ds:uri="http://schemas.microsoft.com/office/2006/documentManagement/types"/>
+    <ds:schemaRef ds:uri="http://schemas.microsoft.com/office/infopath/2007/PartnerControls"/>
+    <ds:schemaRef ds:uri="http://schemas.openxmlformats.org/package/2006/metadata/core-properties"/>
+    <ds:schemaRef ds:uri="http://purl.org/dc/elements/1.1/"/>
+    <ds:schemaRef ds:uri="http://purl.org/dc/terms/"/>
+    <ds:schemaRef ds:uri="http://schemas.microsoft.com/internal/obd"/>
   </ds:schemaRefs>
 </ds:datastoreItem>
 </file>